--- a/Professor_Projects/1_WebInfo_PageRank/PageRankPresentation.pptx
+++ b/Professor_Projects/1_WebInfo_PageRank/PageRankPresentation.pptx
@@ -20,7 +20,7 @@
     <p:sldId id="263" r:id="rId14"/>
     <p:sldId id="266" r:id="rId15"/>
   </p:sldIdLst>
-  <p:sldSz cx="9144000" cy="6858000"/>
+  <p:sldSz cx="9144000" cy="6858000" type="screen4x3"/>
   <p:notesSz cx="6858000" cy="9144000"/>
   <p:defaultTextStyle>
     <a:defPPr>
@@ -117,6 +117,11 @@
       </a:defRPr>
     </a:lvl9pPr>
   </p:defaultTextStyle>
+  <p:extLst>
+    <p:ext uri="{EFAFB233-063F-42B5-8137-9DF3F51BA10A}">
+      <p15:sldGuideLst xmlns:p15="http://schemas.microsoft.com/office/powerpoint/2012/main"/>
+    </p:ext>
+  </p:extLst>
 </p:presentation>
 </file>
 
@@ -267,7 +272,7 @@
           <a:p>
             <a:fld id="{A00872D7-D1CE-4470-BE10-4B03C971333A}" type="datetimeFigureOut">
               <a:rPr lang="en-US" smtClean="0"/>
-              <a:t>10/26/2025</a:t>
+              <a:t>10/30/2025</a:t>
             </a:fld>
             <a:endParaRPr lang="en-US"/>
           </a:p>
@@ -465,7 +470,7 @@
           <a:p>
             <a:fld id="{A00872D7-D1CE-4470-BE10-4B03C971333A}" type="datetimeFigureOut">
               <a:rPr lang="en-US" smtClean="0"/>
-              <a:t>10/26/2025</a:t>
+              <a:t>10/30/2025</a:t>
             </a:fld>
             <a:endParaRPr lang="en-US"/>
           </a:p>
@@ -673,7 +678,7 @@
           <a:p>
             <a:fld id="{A00872D7-D1CE-4470-BE10-4B03C971333A}" type="datetimeFigureOut">
               <a:rPr lang="en-US" smtClean="0"/>
-              <a:t>10/26/2025</a:t>
+              <a:t>10/30/2025</a:t>
             </a:fld>
             <a:endParaRPr lang="en-US"/>
           </a:p>
@@ -871,7 +876,7 @@
           <a:p>
             <a:fld id="{A00872D7-D1CE-4470-BE10-4B03C971333A}" type="datetimeFigureOut">
               <a:rPr lang="en-US" smtClean="0"/>
-              <a:t>10/26/2025</a:t>
+              <a:t>10/30/2025</a:t>
             </a:fld>
             <a:endParaRPr lang="en-US"/>
           </a:p>
@@ -1069,7 +1074,7 @@
           <a:p>
             <a:fld id="{A00872D7-D1CE-4470-BE10-4B03C971333A}" type="datetimeFigureOut">
               <a:rPr lang="en-US" smtClean="0"/>
-              <a:t>10/26/2025</a:t>
+              <a:t>10/30/2025</a:t>
             </a:fld>
             <a:endParaRPr lang="en-US"/>
           </a:p>
@@ -1344,7 +1349,7 @@
           <a:p>
             <a:fld id="{A00872D7-D1CE-4470-BE10-4B03C971333A}" type="datetimeFigureOut">
               <a:rPr lang="en-US" smtClean="0"/>
-              <a:t>10/26/2025</a:t>
+              <a:t>10/30/2025</a:t>
             </a:fld>
             <a:endParaRPr lang="en-US"/>
           </a:p>
@@ -1609,7 +1614,7 @@
           <a:p>
             <a:fld id="{A00872D7-D1CE-4470-BE10-4B03C971333A}" type="datetimeFigureOut">
               <a:rPr lang="en-US" smtClean="0"/>
-              <a:t>10/26/2025</a:t>
+              <a:t>10/30/2025</a:t>
             </a:fld>
             <a:endParaRPr lang="en-US"/>
           </a:p>
@@ -2021,7 +2026,7 @@
           <a:p>
             <a:fld id="{A00872D7-D1CE-4470-BE10-4B03C971333A}" type="datetimeFigureOut">
               <a:rPr lang="en-US" smtClean="0"/>
-              <a:t>10/26/2025</a:t>
+              <a:t>10/30/2025</a:t>
             </a:fld>
             <a:endParaRPr lang="en-US"/>
           </a:p>
@@ -2162,7 +2167,7 @@
           <a:p>
             <a:fld id="{A00872D7-D1CE-4470-BE10-4B03C971333A}" type="datetimeFigureOut">
               <a:rPr lang="en-US" smtClean="0"/>
-              <a:t>10/26/2025</a:t>
+              <a:t>10/30/2025</a:t>
             </a:fld>
             <a:endParaRPr lang="en-US"/>
           </a:p>
@@ -2275,7 +2280,7 @@
           <a:p>
             <a:fld id="{A00872D7-D1CE-4470-BE10-4B03C971333A}" type="datetimeFigureOut">
               <a:rPr lang="en-US" smtClean="0"/>
-              <a:t>10/26/2025</a:t>
+              <a:t>10/30/2025</a:t>
             </a:fld>
             <a:endParaRPr lang="en-US"/>
           </a:p>
@@ -2586,7 +2591,7 @@
           <a:p>
             <a:fld id="{A00872D7-D1CE-4470-BE10-4B03C971333A}" type="datetimeFigureOut">
               <a:rPr lang="en-US" smtClean="0"/>
-              <a:t>10/26/2025</a:t>
+              <a:t>10/30/2025</a:t>
             </a:fld>
             <a:endParaRPr lang="en-US"/>
           </a:p>
@@ -2874,7 +2879,7 @@
           <a:p>
             <a:fld id="{A00872D7-D1CE-4470-BE10-4B03C971333A}" type="datetimeFigureOut">
               <a:rPr lang="en-US" smtClean="0"/>
-              <a:t>10/26/2025</a:t>
+              <a:t>10/30/2025</a:t>
             </a:fld>
             <a:endParaRPr lang="en-US"/>
           </a:p>
@@ -3115,7 +3120,7 @@
           <a:p>
             <a:fld id="{A00872D7-D1CE-4470-BE10-4B03C971333A}" type="datetimeFigureOut">
               <a:rPr lang="en-US" smtClean="0"/>
-              <a:t>10/26/2025</a:t>
+              <a:t>10/30/2025</a:t>
             </a:fld>
             <a:endParaRPr lang="en-US"/>
           </a:p>
@@ -3726,7 +3731,7 @@
                 </a:solidFill>
                 <a:latin typeface="Arial" panose="020B0604020202020204" pitchFamily="34" charset="0"/>
               </a:rPr>
-              <a:t>MARRJA E INFORMACIONIT NÃ‹ WEB</a:t>
+              <a:t>MARRJA E INFORMACIONIT NË WEB</a:t>
             </a:r>
             <a:endParaRPr lang="en-US" sz="5200" b="1" dirty="0">
               <a:solidFill>
@@ -3881,8 +3886,8 @@
         </p:nvSpPr>
         <p:spPr>
           <a:xfrm>
-            <a:off x="2159000" y="3971329"/>
-            <a:ext cx="5207000" cy="646331"/>
+            <a:off x="2159000" y="4099003"/>
+            <a:ext cx="5207000" cy="369332"/>
           </a:xfrm>
           <a:prstGeom prst="rect">
             <a:avLst/>
@@ -3898,7 +3903,7 @@
             <a:pPr algn="ctr"/>
             <a:r>
               <a:rPr lang="en-US" b="1" dirty="0" err="1"/>
-              <a:t>ðŸ“š</a:t>
+              <a:t>Bazuar</a:t>
             </a:r>
             <a:r>
               <a:rPr lang="en-US" b="1" dirty="0"/>
@@ -3906,7 +3911,15 @@
             </a:r>
             <a:r>
               <a:rPr lang="en-US" b="1" dirty="0" err="1"/>
-              <a:t>Bazuar</a:t>
+              <a:t>në</a:t>
+            </a:r>
+            <a:r>
+              <a:rPr lang="en-US" b="1" dirty="0"/>
+              <a:t>: </a:t>
+            </a:r>
+            <a:r>
+              <a:rPr lang="en-US" b="1" dirty="0" err="1"/>
+              <a:t>Literaturë</a:t>
             </a:r>
             <a:r>
               <a:rPr lang="en-US" b="1" dirty="0"/>
@@ -3914,42 +3927,7 @@
             </a:r>
             <a:r>
               <a:rPr lang="en-US" b="1" dirty="0" err="1"/>
-              <a:t>nÃ</a:t>
-            </a:r>
-            <a:r>
-              <a:rPr lang="en-US" b="1" dirty="0"/>
-              <a:t>«: 'Web Data Mining' </a:t>
-            </a:r>
-            <a:r>
-              <a:rPr lang="en-US" b="1" dirty="0" err="1"/>
-              <a:t>nga</a:t>
-            </a:r>
-            <a:r>
-              <a:rPr lang="en-US" b="1" dirty="0"/>
-              <a:t> Bing Liu</a:t>
-            </a:r>
-          </a:p>
-          <a:p>
-            <a:pPr algn="ctr"/>
-            <a:r>
-              <a:rPr lang="en-US" b="1" dirty="0" err="1"/>
-              <a:t>ðŸ</a:t>
-            </a:r>
-            <a:r>
-              <a:rPr lang="en-US" b="1" dirty="0"/>
-              <a:t>“– </a:t>
-            </a:r>
-            <a:r>
-              <a:rPr lang="en-US" b="1" dirty="0" err="1"/>
-              <a:t>Kapitulli</a:t>
-            </a:r>
-            <a:r>
-              <a:rPr lang="en-US" b="1" dirty="0"/>
-              <a:t> 10-11: </a:t>
-            </a:r>
-            <a:r>
-              <a:rPr lang="en-US" b="1" dirty="0" err="1"/>
-              <a:t>Renditja</a:t>
+              <a:t>të</a:t>
             </a:r>
             <a:r>
               <a:rPr lang="en-US" b="1" dirty="0"/>
@@ -3957,23 +3935,7 @@
             </a:r>
             <a:r>
               <a:rPr lang="en-US" b="1" dirty="0" err="1"/>
-              <a:t>bazuar</a:t>
-            </a:r>
-            <a:r>
-              <a:rPr lang="en-US" b="1" dirty="0"/>
-              <a:t> </a:t>
-            </a:r>
-            <a:r>
-              <a:rPr lang="en-US" b="1" dirty="0" err="1"/>
-              <a:t>nÃ</a:t>
-            </a:r>
-            <a:r>
-              <a:rPr lang="en-US" b="1" dirty="0"/>
-              <a:t>« </a:t>
-            </a:r>
-            <a:r>
-              <a:rPr lang="en-US" b="1" dirty="0" err="1"/>
-              <a:t>lidhje</a:t>
+              <a:t>librit</a:t>
             </a:r>
             <a:endParaRPr lang="en-US" b="1" dirty="0"/>
           </a:p>
@@ -4131,32 +4093,20 @@
           </a:p>
           <a:p>
             <a:r>
-              <a:rPr lang="en-US" sz="1200" dirty="0" err="1"/>
-              <a:t>âœ</a:t>
-            </a:r>
-            <a:r>
               <a:rPr lang="en-US" sz="1200" dirty="0"/>
-              <a:t>“ Google Search: PageRank as primary ranking factor</a:t>
-            </a:r>
-          </a:p>
-          <a:p>
-            <a:r>
-              <a:rPr lang="en-US" sz="1200" dirty="0" err="1"/>
-              <a:t>âœ</a:t>
-            </a:r>
+              <a:t>Google Search: PageRank as primary ranking factor</a:t>
+            </a:r>
+          </a:p>
+          <a:p>
             <a:r>
               <a:rPr lang="en-US" sz="1200" dirty="0"/>
-              <a:t>“ Bing: Modified PageRank algorithms</a:t>
-            </a:r>
-          </a:p>
-          <a:p>
-            <a:r>
-              <a:rPr lang="en-US" sz="1200" dirty="0" err="1"/>
-              <a:t>âœ</a:t>
-            </a:r>
+              <a:t>Bing: Modified PageRank algorithms</a:t>
+            </a:r>
+          </a:p>
+          <a:p>
             <a:r>
               <a:rPr lang="en-US" sz="1200" dirty="0"/>
-              <a:t>“ Query-independent global importance scores</a:t>
+              <a:t>Query-independent global importance scores</a:t>
             </a:r>
           </a:p>
           <a:p>
@@ -4170,32 +4120,20 @@
           </a:p>
           <a:p>
             <a:r>
-              <a:rPr lang="en-US" sz="1200" dirty="0" err="1"/>
-              <a:t>âœ</a:t>
-            </a:r>
-            <a:r>
               <a:rPr lang="en-US" sz="1200" dirty="0"/>
-              <a:t>“ Twitter: Identify influential users</a:t>
-            </a:r>
-          </a:p>
-          <a:p>
-            <a:r>
-              <a:rPr lang="en-US" sz="1200" dirty="0" err="1"/>
-              <a:t>âœ</a:t>
-            </a:r>
+              <a:t>Twitter: Identify influential users</a:t>
+            </a:r>
+          </a:p>
+          <a:p>
             <a:r>
               <a:rPr lang="en-US" sz="1200" dirty="0"/>
-              <a:t>“ Facebook: News feed ranking</a:t>
-            </a:r>
-          </a:p>
-          <a:p>
-            <a:r>
-              <a:rPr lang="en-US" sz="1200" dirty="0" err="1"/>
-              <a:t>âœ</a:t>
-            </a:r>
+              <a:t>Facebook: News feed ranking</a:t>
+            </a:r>
+          </a:p>
+          <a:p>
             <a:r>
               <a:rPr lang="en-US" sz="1200" dirty="0"/>
-              <a:t>“ LinkedIn: Profile visibility and recommendations</a:t>
+              <a:t>LinkedIn: Profile visibility and recommendations</a:t>
             </a:r>
           </a:p>
           <a:p>
@@ -4210,14 +4148,6 @@
           <a:p>
             <a:r>
               <a:rPr lang="en-US" sz="1200" dirty="0" err="1"/>
-              <a:t>âœ</a:t>
-            </a:r>
-            <a:r>
-              <a:rPr lang="en-US" sz="1200" dirty="0"/>
-              <a:t>“ </a:t>
-            </a:r>
-            <a:r>
-              <a:rPr lang="en-US" sz="1200" dirty="0" err="1"/>
               <a:t>TrustRank</a:t>
             </a:r>
             <a:r>
@@ -4227,22 +4157,14 @@
           </a:p>
           <a:p>
             <a:r>
-              <a:rPr lang="en-US" sz="1200" dirty="0" err="1"/>
-              <a:t>âœ</a:t>
-            </a:r>
-            <a:r>
               <a:rPr lang="en-US" sz="1200" dirty="0"/>
-              <a:t>“ Detect link farms and manipulation</a:t>
-            </a:r>
-          </a:p>
-          <a:p>
-            <a:r>
-              <a:rPr lang="en-US" sz="1200" dirty="0" err="1"/>
-              <a:t>âœ</a:t>
-            </a:r>
+              <a:t>Detect link farms and manipulation</a:t>
+            </a:r>
+          </a:p>
+          <a:p>
             <a:r>
               <a:rPr lang="en-US" sz="1200" dirty="0"/>
-              <a:t>“ Combat search engine spam</a:t>
+              <a:t>Combat search engine spam</a:t>
             </a:r>
           </a:p>
           <a:p>
@@ -4256,42 +4178,26 @@
           </a:p>
           <a:p>
             <a:r>
-              <a:rPr lang="en-US" sz="1200" dirty="0" err="1"/>
-              <a:t>âœ</a:t>
-            </a:r>
-            <a:r>
               <a:rPr lang="en-US" sz="1200" dirty="0"/>
-              <a:t>“ Recommendation Systems: Item importance</a:t>
-            </a:r>
-          </a:p>
-          <a:p>
-            <a:r>
-              <a:rPr lang="en-US" sz="1200" dirty="0" err="1"/>
-              <a:t>âœ</a:t>
-            </a:r>
+              <a:t>Recommendation Systems: Item importance</a:t>
+            </a:r>
+          </a:p>
+          <a:p>
             <a:r>
               <a:rPr lang="en-US" sz="1200" dirty="0"/>
-              <a:t>“ Citation Analysis: Research paper impact</a:t>
-            </a:r>
-          </a:p>
-          <a:p>
-            <a:r>
-              <a:rPr lang="en-US" sz="1200" dirty="0" err="1"/>
-              <a:t>âœ</a:t>
-            </a:r>
+              <a:t>Citation Analysis: Research paper impact</a:t>
+            </a:r>
+          </a:p>
+          <a:p>
             <a:r>
               <a:rPr lang="en-US" sz="1200" dirty="0"/>
-              <a:t>“ Protein Networks: Identify key proteins</a:t>
-            </a:r>
-          </a:p>
-          <a:p>
-            <a:r>
-              <a:rPr lang="en-US" sz="1200" dirty="0" err="1"/>
-              <a:t>âœ</a:t>
-            </a:r>
+              <a:t>Protein Networks: Identify key proteins</a:t>
+            </a:r>
+          </a:p>
+          <a:p>
             <a:r>
               <a:rPr lang="en-US" sz="1200" dirty="0"/>
-              <a:t>“ Transportation: Traffic flow optimization</a:t>
+              <a:t>Transportation: Traffic flow optimization</a:t>
             </a:r>
           </a:p>
         </p:txBody>
@@ -4835,52 +4741,32 @@
           </a:p>
           <a:p>
             <a:r>
-              <a:rPr lang="en-US" sz="1200" dirty="0" err="1"/>
-              <a:t>âœ</a:t>
-            </a:r>
-            <a:r>
               <a:rPr lang="en-US" sz="1200" dirty="0"/>
-              <a:t>… PageRank algorithm theory and implementation</a:t>
-            </a:r>
-          </a:p>
-          <a:p>
-            <a:r>
-              <a:rPr lang="en-US" sz="1200" dirty="0" err="1"/>
-              <a:t>âœ</a:t>
-            </a:r>
+              <a:t> PageRank algorithm theory and implementation</a:t>
+            </a:r>
+          </a:p>
+          <a:p>
             <a:r>
               <a:rPr lang="en-US" sz="1200" dirty="0"/>
-              <a:t>… HITS algorithm (Hubs and Authorities)</a:t>
-            </a:r>
-          </a:p>
-          <a:p>
-            <a:r>
-              <a:rPr lang="en-US" sz="1200" dirty="0" err="1"/>
-              <a:t>âœ</a:t>
-            </a:r>
+              <a:t> HITS algorithm (Hubs and Authorities)</a:t>
+            </a:r>
+          </a:p>
+          <a:p>
             <a:r>
               <a:rPr lang="en-US" sz="1200" dirty="0"/>
-              <a:t>… Web graph structure and analysis</a:t>
-            </a:r>
-          </a:p>
-          <a:p>
-            <a:r>
-              <a:rPr lang="en-US" sz="1200" dirty="0" err="1"/>
-              <a:t>âœ</a:t>
-            </a:r>
+              <a:t> Web graph structure and analysis</a:t>
+            </a:r>
+          </a:p>
+          <a:p>
             <a:r>
               <a:rPr lang="en-US" sz="1200" dirty="0"/>
-              <a:t>… Random surfer model and damping factor</a:t>
-            </a:r>
-          </a:p>
-          <a:p>
-            <a:r>
-              <a:rPr lang="en-US" sz="1200" dirty="0" err="1"/>
-              <a:t>âœ</a:t>
-            </a:r>
+              <a:t> Random surfer model and damping factor</a:t>
+            </a:r>
+          </a:p>
+          <a:p>
             <a:r>
               <a:rPr lang="en-US" sz="1200" dirty="0"/>
-              <a:t>… Power iteration method for convergence</a:t>
+              <a:t> Power iteration method for convergence</a:t>
             </a:r>
           </a:p>
           <a:p>
@@ -4894,22 +4780,14 @@
           </a:p>
           <a:p>
             <a:r>
-              <a:rPr lang="en-US" sz="1200" dirty="0" err="1"/>
-              <a:t>âœ</a:t>
-            </a:r>
-            <a:r>
               <a:rPr lang="en-US" sz="1200" dirty="0"/>
-              <a:t>“ Implemented PageRank from scratch in Python</a:t>
-            </a:r>
-          </a:p>
-          <a:p>
-            <a:r>
-              <a:rPr lang="en-US" sz="1200" dirty="0" err="1"/>
-              <a:t>âœ</a:t>
-            </a:r>
+              <a:t>Implemented PageRank from scratch in Python</a:t>
+            </a:r>
+          </a:p>
+          <a:p>
             <a:r>
               <a:rPr lang="en-US" sz="1200" dirty="0"/>
-              <a:t>“ Analyzed web graph with </a:t>
+              <a:t>Analyzed web graph with </a:t>
             </a:r>
             <a:r>
               <a:rPr lang="en-US" sz="1200" dirty="0" err="1"/>
@@ -4919,22 +4797,14 @@
           </a:p>
           <a:p>
             <a:r>
-              <a:rPr lang="en-US" sz="1200" dirty="0" err="1"/>
-              <a:t>âœ</a:t>
-            </a:r>
-            <a:r>
               <a:rPr lang="en-US" sz="1200" dirty="0"/>
-              <a:t>“ Calculated multiple centrality measures</a:t>
-            </a:r>
-          </a:p>
-          <a:p>
-            <a:r>
-              <a:rPr lang="en-US" sz="1200" dirty="0" err="1"/>
-              <a:t>âœ</a:t>
-            </a:r>
+              <a:t>Calculated multiple centrality measures</a:t>
+            </a:r>
+          </a:p>
+          <a:p>
             <a:r>
               <a:rPr lang="en-US" sz="1200" dirty="0"/>
-              <a:t>“ Generated comprehensive CSV reports</a:t>
+              <a:t>Generated comprehensive CSV reports</a:t>
             </a:r>
           </a:p>
           <a:p>
@@ -4948,32 +4818,20 @@
           </a:p>
           <a:p>
             <a:r>
-              <a:rPr lang="en-US" sz="1200" dirty="0" err="1"/>
-              <a:t>ðŸ“š</a:t>
-            </a:r>
-            <a:r>
               <a:rPr lang="en-US" sz="1200" dirty="0"/>
-              <a:t> Bing Liu - 'Web Data Mining' (Chapters 10-11)</a:t>
-            </a:r>
-          </a:p>
-          <a:p>
-            <a:r>
-              <a:rPr lang="en-US" sz="1200" dirty="0" err="1"/>
-              <a:t>ðŸ</a:t>
-            </a:r>
+              <a:t>Bing Liu - 'Web Data Mining' (Chapters 10-11)</a:t>
+            </a:r>
+          </a:p>
+          <a:p>
             <a:r>
               <a:rPr lang="en-US" sz="1200" dirty="0"/>
-              <a:t>”— Original PageRank Paper: Page &amp; Brin (1998)</a:t>
-            </a:r>
-          </a:p>
-          <a:p>
-            <a:r>
-              <a:rPr lang="en-US" sz="1200" dirty="0" err="1"/>
-              <a:t>ðŸ</a:t>
-            </a:r>
+              <a:t>— Original PageRank Paper: Page &amp; Brin (1998)</a:t>
+            </a:r>
+          </a:p>
+          <a:p>
             <a:r>
               <a:rPr lang="en-US" sz="1200" dirty="0"/>
-              <a:t>”¬ </a:t>
+              <a:t>¬ </a:t>
             </a:r>
             <a:r>
               <a:rPr lang="en-US" sz="1200" dirty="0" err="1"/>
@@ -5187,12 +5045,12 @@
           <a:lstStyle/>
           <a:p>
             <a:r>
-              <a:rPr lang="en-US" sz="2800" b="1">
+              <a:rPr lang="en-US" sz="2800" b="1" dirty="0">
                 <a:solidFill>
                   <a:srgbClr val="FFFFFF"/>
                 </a:solidFill>
               </a:rPr>
-              <a:t>âš–ï¸ KRAHASIMI I ALGORITMEVE - TÃ‹ DHÃ‹NA REALE</a:t>
+              <a:t>KRAHASIMI I ALGORITMEVE - TË DHËNA REALE</a:t>
             </a:r>
           </a:p>
         </p:txBody>
@@ -6050,7 +5908,7 @@
         </p:nvSpPr>
         <p:spPr>
           <a:xfrm>
-            <a:off x="762000" y="5334000"/>
+            <a:off x="761999" y="5257393"/>
             <a:ext cx="7620000" cy="1092607"/>
           </a:xfrm>
           <a:prstGeom prst="rect">
@@ -6065,53 +5923,543 @@
           <a:lstStyle/>
           <a:p>
             <a:r>
-              <a:rPr lang="en-US" sz="1300" b="1">
+              <a:rPr lang="en-US" sz="1300" b="1" dirty="0">
                 <a:solidFill>
                   <a:srgbClr val="644600"/>
                 </a:solidFill>
               </a:rPr>
-              <a:t>âœ… PÃ‹RFUNDIMI:</a:t>
-            </a:r>
-          </a:p>
-          <a:p>
-            <a:r>
-              <a:rPr lang="en-US" sz="1300" b="1">
+              <a:t> PËRFUNDIMI:</a:t>
+            </a:r>
+          </a:p>
+          <a:p>
+            <a:r>
+              <a:rPr lang="en-US" sz="1300" b="1" dirty="0">
                 <a:solidFill>
                   <a:srgbClr val="644600"/>
                 </a:solidFill>
               </a:rPr>
-              <a:t>â€¢ Implementimi ynÃ« custom i PageRank pÃ«rputhet 100% me NetworkX (biblioteka standarde)</a:t>
-            </a:r>
-          </a:p>
-          <a:p>
-            <a:r>
-              <a:rPr lang="en-US" sz="1300" b="1">
+              <a:t> </a:t>
+            </a:r>
+            <a:r>
+              <a:rPr lang="en-US" sz="1300" b="1" dirty="0" err="1">
                 <a:solidFill>
                   <a:srgbClr val="644600"/>
                 </a:solidFill>
               </a:rPr>
-              <a:t>â€¢ Diferenca maksimale: &lt; 0.000002 (gabim numerik i papÃ«rfillshÃ«m)</a:t>
-            </a:r>
-          </a:p>
-          <a:p>
-            <a:r>
-              <a:rPr lang="en-US" sz="1300" b="1">
+              <a:t>Implementimi</a:t>
+            </a:r>
+            <a:r>
+              <a:rPr lang="en-US" sz="1300" b="1" dirty="0">
                 <a:solidFill>
                   <a:srgbClr val="644600"/>
                 </a:solidFill>
               </a:rPr>
-              <a:t>â€¢ Validimi tregon qÃ« algoritmi ynÃ« Ã«shtÃ« saktÃ« dhe i besueshÃ«m</a:t>
-            </a:r>
-          </a:p>
-          <a:p>
-            <a:r>
-              <a:rPr lang="en-US" sz="1300" b="1">
+              <a:t> </a:t>
+            </a:r>
+            <a:r>
+              <a:rPr lang="en-US" sz="1300" b="1" dirty="0" err="1">
                 <a:solidFill>
                   <a:srgbClr val="644600"/>
                 </a:solidFill>
               </a:rPr>
-              <a:t>â€¢ TÃ« dy algoritmet konvergojnÃ« nÃ« tÃ« njÃ«jtÃ«n zgjidhje</a:t>
-            </a:r>
+              <a:t>ynë</a:t>
+            </a:r>
+            <a:r>
+              <a:rPr lang="en-US" sz="1300" b="1" dirty="0">
+                <a:solidFill>
+                  <a:srgbClr val="644600"/>
+                </a:solidFill>
+              </a:rPr>
+              <a:t> custom </a:t>
+            </a:r>
+            <a:r>
+              <a:rPr lang="en-US" sz="1300" b="1" dirty="0" err="1">
+                <a:solidFill>
+                  <a:srgbClr val="644600"/>
+                </a:solidFill>
+              </a:rPr>
+              <a:t>i</a:t>
+            </a:r>
+            <a:r>
+              <a:rPr lang="en-US" sz="1300" b="1" dirty="0">
+                <a:solidFill>
+                  <a:srgbClr val="644600"/>
+                </a:solidFill>
+              </a:rPr>
+              <a:t> PageRank </a:t>
+            </a:r>
+            <a:r>
+              <a:rPr lang="en-US" sz="1300" b="1" dirty="0" err="1">
+                <a:solidFill>
+                  <a:srgbClr val="644600"/>
+                </a:solidFill>
+              </a:rPr>
+              <a:t>përputhet</a:t>
+            </a:r>
+            <a:r>
+              <a:rPr lang="en-US" sz="1300" b="1" dirty="0">
+                <a:solidFill>
+                  <a:srgbClr val="644600"/>
+                </a:solidFill>
+              </a:rPr>
+              <a:t> 100% me </a:t>
+            </a:r>
+            <a:r>
+              <a:rPr lang="en-US" sz="1300" b="1" dirty="0" err="1">
+                <a:solidFill>
+                  <a:srgbClr val="644600"/>
+                </a:solidFill>
+              </a:rPr>
+              <a:t>NetworkX</a:t>
+            </a:r>
+            <a:r>
+              <a:rPr lang="en-US" sz="1300" b="1" dirty="0">
+                <a:solidFill>
+                  <a:srgbClr val="644600"/>
+                </a:solidFill>
+              </a:rPr>
+              <a:t> (</a:t>
+            </a:r>
+            <a:r>
+              <a:rPr lang="en-US" sz="1300" b="1" dirty="0" err="1">
+                <a:solidFill>
+                  <a:srgbClr val="644600"/>
+                </a:solidFill>
+              </a:rPr>
+              <a:t>biblioteka</a:t>
+            </a:r>
+            <a:r>
+              <a:rPr lang="en-US" sz="1300" b="1" dirty="0">
+                <a:solidFill>
+                  <a:srgbClr val="644600"/>
+                </a:solidFill>
+              </a:rPr>
+              <a:t> </a:t>
+            </a:r>
+            <a:r>
+              <a:rPr lang="en-US" sz="1300" b="1" dirty="0" err="1">
+                <a:solidFill>
+                  <a:srgbClr val="644600"/>
+                </a:solidFill>
+              </a:rPr>
+              <a:t>standarde</a:t>
+            </a:r>
+            <a:r>
+              <a:rPr lang="en-US" sz="1300" b="1" dirty="0">
+                <a:solidFill>
+                  <a:srgbClr val="644600"/>
+                </a:solidFill>
+              </a:rPr>
+              <a:t>)</a:t>
+            </a:r>
+          </a:p>
+          <a:p>
+            <a:r>
+              <a:rPr lang="en-US" sz="1300" b="1" dirty="0">
+                <a:solidFill>
+                  <a:srgbClr val="644600"/>
+                </a:solidFill>
+              </a:rPr>
+              <a:t> </a:t>
+            </a:r>
+            <a:r>
+              <a:rPr lang="en-US" sz="1300" b="1" dirty="0" err="1">
+                <a:solidFill>
+                  <a:srgbClr val="644600"/>
+                </a:solidFill>
+              </a:rPr>
+              <a:t>Diferenca</a:t>
+            </a:r>
+            <a:r>
+              <a:rPr lang="en-US" sz="1300" b="1" dirty="0">
+                <a:solidFill>
+                  <a:srgbClr val="644600"/>
+                </a:solidFill>
+              </a:rPr>
+              <a:t> </a:t>
+            </a:r>
+            <a:r>
+              <a:rPr lang="en-US" sz="1300" b="1" dirty="0" err="1">
+                <a:solidFill>
+                  <a:srgbClr val="644600"/>
+                </a:solidFill>
+              </a:rPr>
+              <a:t>maksimale</a:t>
+            </a:r>
+            <a:r>
+              <a:rPr lang="en-US" sz="1300" b="1" dirty="0">
+                <a:solidFill>
+                  <a:srgbClr val="644600"/>
+                </a:solidFill>
+              </a:rPr>
+              <a:t>: &lt; 0.000002 (</a:t>
+            </a:r>
+            <a:r>
+              <a:rPr lang="en-US" sz="1300" b="1" dirty="0" err="1">
+                <a:solidFill>
+                  <a:srgbClr val="644600"/>
+                </a:solidFill>
+              </a:rPr>
+              <a:t>gabim</a:t>
+            </a:r>
+            <a:r>
+              <a:rPr lang="en-US" sz="1300" b="1" dirty="0">
+                <a:solidFill>
+                  <a:srgbClr val="644600"/>
+                </a:solidFill>
+              </a:rPr>
+              <a:t> </a:t>
+            </a:r>
+            <a:r>
+              <a:rPr lang="en-US" sz="1300" b="1" dirty="0" err="1">
+                <a:solidFill>
+                  <a:srgbClr val="644600"/>
+                </a:solidFill>
+              </a:rPr>
+              <a:t>numerik</a:t>
+            </a:r>
+            <a:r>
+              <a:rPr lang="en-US" sz="1300" b="1" dirty="0">
+                <a:solidFill>
+                  <a:srgbClr val="644600"/>
+                </a:solidFill>
+              </a:rPr>
+              <a:t> </a:t>
+            </a:r>
+            <a:r>
+              <a:rPr lang="en-US" sz="1300" b="1" dirty="0" err="1">
+                <a:solidFill>
+                  <a:srgbClr val="644600"/>
+                </a:solidFill>
+              </a:rPr>
+              <a:t>i</a:t>
+            </a:r>
+            <a:r>
+              <a:rPr lang="en-US" sz="1300" b="1" dirty="0">
+                <a:solidFill>
+                  <a:srgbClr val="644600"/>
+                </a:solidFill>
+              </a:rPr>
+              <a:t> </a:t>
+            </a:r>
+            <a:r>
+              <a:rPr lang="en-US" sz="1300" b="1" dirty="0" err="1">
+                <a:solidFill>
+                  <a:srgbClr val="644600"/>
+                </a:solidFill>
+              </a:rPr>
+              <a:t>papërfillshëm</a:t>
+            </a:r>
+            <a:r>
+              <a:rPr lang="en-US" sz="1300" b="1" dirty="0">
+                <a:solidFill>
+                  <a:srgbClr val="644600"/>
+                </a:solidFill>
+              </a:rPr>
+              <a:t>)</a:t>
+            </a:r>
+          </a:p>
+          <a:p>
+            <a:r>
+              <a:rPr lang="en-US" sz="1300" b="1" dirty="0">
+                <a:solidFill>
+                  <a:srgbClr val="644600"/>
+                </a:solidFill>
+              </a:rPr>
+              <a:t> </a:t>
+            </a:r>
+            <a:r>
+              <a:rPr lang="en-US" sz="1300" b="1" dirty="0" err="1">
+                <a:solidFill>
+                  <a:srgbClr val="644600"/>
+                </a:solidFill>
+              </a:rPr>
+              <a:t>Validimi</a:t>
+            </a:r>
+            <a:r>
+              <a:rPr lang="en-US" sz="1300" b="1" dirty="0">
+                <a:solidFill>
+                  <a:srgbClr val="644600"/>
+                </a:solidFill>
+              </a:rPr>
+              <a:t> </a:t>
+            </a:r>
+            <a:r>
+              <a:rPr lang="en-US" sz="1300" b="1" dirty="0" err="1">
+                <a:solidFill>
+                  <a:srgbClr val="644600"/>
+                </a:solidFill>
+              </a:rPr>
+              <a:t>tregon</a:t>
+            </a:r>
+            <a:r>
+              <a:rPr lang="en-US" sz="1300" b="1" dirty="0">
+                <a:solidFill>
+                  <a:srgbClr val="644600"/>
+                </a:solidFill>
+              </a:rPr>
+              <a:t> </a:t>
+            </a:r>
+            <a:r>
+              <a:rPr lang="en-US" sz="1300" b="1" dirty="0" err="1">
+                <a:solidFill>
+                  <a:srgbClr val="644600"/>
+                </a:solidFill>
+              </a:rPr>
+              <a:t>që</a:t>
+            </a:r>
+            <a:r>
+              <a:rPr lang="en-US" sz="1300" b="1" dirty="0">
+                <a:solidFill>
+                  <a:srgbClr val="644600"/>
+                </a:solidFill>
+              </a:rPr>
+              <a:t> </a:t>
+            </a:r>
+            <a:r>
+              <a:rPr lang="en-US" sz="1300" b="1" dirty="0" err="1">
+                <a:solidFill>
+                  <a:srgbClr val="644600"/>
+                </a:solidFill>
+              </a:rPr>
+              <a:t>algoritmi</a:t>
+            </a:r>
+            <a:r>
+              <a:rPr lang="en-US" sz="1300" b="1" dirty="0">
+                <a:solidFill>
+                  <a:srgbClr val="644600"/>
+                </a:solidFill>
+              </a:rPr>
+              <a:t> </a:t>
+            </a:r>
+            <a:r>
+              <a:rPr lang="en-US" sz="1300" b="1" dirty="0" err="1">
+                <a:solidFill>
+                  <a:srgbClr val="644600"/>
+                </a:solidFill>
+              </a:rPr>
+              <a:t>ynë</a:t>
+            </a:r>
+            <a:r>
+              <a:rPr lang="en-US" sz="1300" b="1" dirty="0">
+                <a:solidFill>
+                  <a:srgbClr val="644600"/>
+                </a:solidFill>
+              </a:rPr>
+              <a:t> </a:t>
+            </a:r>
+            <a:r>
+              <a:rPr lang="en-US" sz="1300" b="1" dirty="0" err="1">
+                <a:solidFill>
+                  <a:srgbClr val="644600"/>
+                </a:solidFill>
+              </a:rPr>
+              <a:t>është</a:t>
+            </a:r>
+            <a:r>
+              <a:rPr lang="en-US" sz="1300" b="1" dirty="0">
+                <a:solidFill>
+                  <a:srgbClr val="644600"/>
+                </a:solidFill>
+              </a:rPr>
+              <a:t> </a:t>
+            </a:r>
+            <a:r>
+              <a:rPr lang="en-US" sz="1300" b="1" dirty="0" err="1">
+                <a:solidFill>
+                  <a:srgbClr val="644600"/>
+                </a:solidFill>
+              </a:rPr>
+              <a:t>saktë</a:t>
+            </a:r>
+            <a:r>
+              <a:rPr lang="en-US" sz="1300" b="1" dirty="0">
+                <a:solidFill>
+                  <a:srgbClr val="644600"/>
+                </a:solidFill>
+              </a:rPr>
+              <a:t> </a:t>
+            </a:r>
+            <a:r>
+              <a:rPr lang="en-US" sz="1300" b="1" dirty="0" err="1">
+                <a:solidFill>
+                  <a:srgbClr val="644600"/>
+                </a:solidFill>
+              </a:rPr>
+              <a:t>dhe</a:t>
+            </a:r>
+            <a:r>
+              <a:rPr lang="en-US" sz="1300" b="1" dirty="0">
+                <a:solidFill>
+                  <a:srgbClr val="644600"/>
+                </a:solidFill>
+              </a:rPr>
+              <a:t> </a:t>
+            </a:r>
+            <a:r>
+              <a:rPr lang="en-US" sz="1300" b="1" dirty="0" err="1">
+                <a:solidFill>
+                  <a:srgbClr val="644600"/>
+                </a:solidFill>
+              </a:rPr>
+              <a:t>i</a:t>
+            </a:r>
+            <a:r>
+              <a:rPr lang="en-US" sz="1300" b="1" dirty="0">
+                <a:solidFill>
+                  <a:srgbClr val="644600"/>
+                </a:solidFill>
+              </a:rPr>
+              <a:t> </a:t>
+            </a:r>
+            <a:r>
+              <a:rPr lang="en-US" sz="1300" b="1" dirty="0" err="1">
+                <a:solidFill>
+                  <a:srgbClr val="644600"/>
+                </a:solidFill>
+              </a:rPr>
+              <a:t>besueshëm</a:t>
+            </a:r>
+            <a:endParaRPr lang="en-US" sz="1300" b="1" dirty="0">
+              <a:solidFill>
+                <a:srgbClr val="644600"/>
+              </a:solidFill>
+            </a:endParaRPr>
+          </a:p>
+          <a:p>
+            <a:r>
+              <a:rPr lang="en-US" sz="1300" b="1" dirty="0">
+                <a:solidFill>
+                  <a:srgbClr val="644600"/>
+                </a:solidFill>
+              </a:rPr>
+              <a:t> </a:t>
+            </a:r>
+            <a:r>
+              <a:rPr lang="en-US" sz="1300" b="1" dirty="0" err="1">
+                <a:solidFill>
+                  <a:srgbClr val="644600"/>
+                </a:solidFill>
+              </a:rPr>
+              <a:t>Të</a:t>
+            </a:r>
+            <a:r>
+              <a:rPr lang="en-US" sz="1300" b="1" dirty="0">
+                <a:solidFill>
+                  <a:srgbClr val="644600"/>
+                </a:solidFill>
+              </a:rPr>
+              <a:t> </a:t>
+            </a:r>
+            <a:r>
+              <a:rPr lang="en-US" sz="1300" b="1" dirty="0" err="1">
+                <a:solidFill>
+                  <a:srgbClr val="644600"/>
+                </a:solidFill>
+              </a:rPr>
+              <a:t>dy</a:t>
+            </a:r>
+            <a:r>
+              <a:rPr lang="en-US" sz="1300" b="1" dirty="0">
+                <a:solidFill>
+                  <a:srgbClr val="644600"/>
+                </a:solidFill>
+              </a:rPr>
+              <a:t> </a:t>
+            </a:r>
+            <a:r>
+              <a:rPr lang="en-US" sz="1300" b="1" dirty="0" err="1">
+                <a:solidFill>
+                  <a:srgbClr val="644600"/>
+                </a:solidFill>
+              </a:rPr>
+              <a:t>algoritmet</a:t>
+            </a:r>
+            <a:r>
+              <a:rPr lang="en-US" sz="1300" b="1" dirty="0">
+                <a:solidFill>
+                  <a:srgbClr val="644600"/>
+                </a:solidFill>
+              </a:rPr>
+              <a:t> </a:t>
+            </a:r>
+            <a:r>
+              <a:rPr lang="en-US" sz="1300" b="1" dirty="0" err="1">
+                <a:solidFill>
+                  <a:srgbClr val="644600"/>
+                </a:solidFill>
+              </a:rPr>
+              <a:t>konvergojnë</a:t>
+            </a:r>
+            <a:r>
+              <a:rPr lang="en-US" sz="1300" b="1" dirty="0">
+                <a:solidFill>
+                  <a:srgbClr val="644600"/>
+                </a:solidFill>
+              </a:rPr>
+              <a:t> </a:t>
+            </a:r>
+            <a:r>
+              <a:rPr lang="en-US" sz="1300" b="1" dirty="0" err="1">
+                <a:solidFill>
+                  <a:srgbClr val="644600"/>
+                </a:solidFill>
+              </a:rPr>
+              <a:t>në</a:t>
+            </a:r>
+            <a:r>
+              <a:rPr lang="en-US" sz="1300" b="1" dirty="0">
+                <a:solidFill>
+                  <a:srgbClr val="644600"/>
+                </a:solidFill>
+              </a:rPr>
+              <a:t> </a:t>
+            </a:r>
+            <a:r>
+              <a:rPr lang="en-US" sz="1300" b="1" dirty="0" err="1">
+                <a:solidFill>
+                  <a:srgbClr val="644600"/>
+                </a:solidFill>
+              </a:rPr>
+              <a:t>të</a:t>
+            </a:r>
+            <a:r>
+              <a:rPr lang="en-US" sz="1300" b="1" dirty="0">
+                <a:solidFill>
+                  <a:srgbClr val="644600"/>
+                </a:solidFill>
+              </a:rPr>
+              <a:t> </a:t>
+            </a:r>
+            <a:r>
+              <a:rPr lang="en-US" sz="1300" b="1" dirty="0" err="1">
+                <a:solidFill>
+                  <a:srgbClr val="644600"/>
+                </a:solidFill>
+              </a:rPr>
+              <a:t>njëjtën</a:t>
+            </a:r>
+            <a:r>
+              <a:rPr lang="en-US" sz="1300" b="1" dirty="0">
+                <a:solidFill>
+                  <a:srgbClr val="644600"/>
+                </a:solidFill>
+              </a:rPr>
+              <a:t> </a:t>
+            </a:r>
+            <a:r>
+              <a:rPr lang="en-US" sz="1300" b="1" dirty="0" err="1">
+                <a:solidFill>
+                  <a:srgbClr val="644600"/>
+                </a:solidFill>
+              </a:rPr>
+              <a:t>zgjidhje</a:t>
+            </a:r>
+            <a:endParaRPr lang="en-US" sz="1300" b="1" dirty="0">
+              <a:solidFill>
+                <a:srgbClr val="644600"/>
+              </a:solidFill>
+            </a:endParaRPr>
           </a:p>
         </p:txBody>
       </p:sp>
@@ -6236,7 +6584,7 @@
         <p:spPr>
           <a:xfrm>
             <a:off x="254000" y="152400"/>
-            <a:ext cx="8636000" cy="954107"/>
+            <a:ext cx="8636000" cy="523220"/>
           </a:xfrm>
           <a:prstGeom prst="rect">
             <a:avLst/>
@@ -6255,7 +6603,7 @@
                   <a:srgbClr val="FFFFFF"/>
                 </a:solidFill>
               </a:rPr>
-              <a:t>ðŸ“‰ KONVERGJENCA E ALGORITMIT - TÃ‹ DHÃ‹NA REALE</a:t>
+              <a:t>KONVERGJENCA E ALGORITMIT - TË DHËNA REALE</a:t>
             </a:r>
             <a:endParaRPr lang="en-US" sz="2800" b="1" dirty="0">
               <a:solidFill>
@@ -6349,12 +6697,28 @@
           <a:p>
             <a:pPr algn="ctr"/>
             <a:r>
-              <a:rPr lang="en-US" sz="1600" b="1">
+              <a:rPr lang="en-US" sz="1600" b="1" dirty="0">
                 <a:solidFill>
                   <a:srgbClr val="005050"/>
                 </a:solidFill>
               </a:rPr>
-              <a:t>HISTORIKU I KONVERGJENCÃ‹S (Î” vs Iteracionet)</a:t>
+              <a:t>HISTORIKU I KONVERGJENCËS (Î” vs </a:t>
+            </a:r>
+            <a:r>
+              <a:rPr lang="en-US" sz="1600" b="1" dirty="0" err="1">
+                <a:solidFill>
+                  <a:srgbClr val="005050"/>
+                </a:solidFill>
+              </a:rPr>
+              <a:t>Iteracionet</a:t>
+            </a:r>
+            <a:r>
+              <a:rPr lang="en-US" sz="1600" b="1" dirty="0">
+                <a:solidFill>
+                  <a:srgbClr val="005050"/>
+                </a:solidFill>
+              </a:rPr>
+              <a:t>)</a:t>
             </a:r>
           </a:p>
         </p:txBody>
@@ -8305,53 +8669,306 @@
           <a:lstStyle/>
           <a:p>
             <a:r>
-              <a:rPr lang="en-US" sz="1300">
+              <a:rPr lang="en-US" sz="1300" dirty="0">
                 <a:solidFill>
                   <a:srgbClr val="644600"/>
                 </a:solidFill>
               </a:rPr>
-              <a:t>ðŸ“Š REZULTATET E KONVERGJENCÃ‹S:</a:t>
-            </a:r>
-          </a:p>
-          <a:p>
-            <a:r>
-              <a:rPr lang="en-US" sz="1300">
+              <a:t>REZULTATET E KONVERGJENCËS:</a:t>
+            </a:r>
+          </a:p>
+          <a:p>
+            <a:r>
+              <a:rPr lang="en-US" sz="1300" dirty="0">
                 <a:solidFill>
                   <a:srgbClr val="644600"/>
                 </a:solidFill>
               </a:rPr>
-              <a:t>â€¢ Fillimi: Î” = 0.6375 (diferenca e madhe)</a:t>
-            </a:r>
-          </a:p>
-          <a:p>
-            <a:r>
-              <a:rPr lang="en-US" sz="1300">
+              <a:t> </a:t>
+            </a:r>
+            <a:r>
+              <a:rPr lang="en-US" sz="1300" dirty="0" err="1">
                 <a:solidFill>
                   <a:srgbClr val="644600"/>
                 </a:solidFill>
               </a:rPr>
-              <a:t>â€¢ Konvergjuar pas 19 iteracioneve (Î” &lt; 0.000001)</a:t>
-            </a:r>
-          </a:p>
-          <a:p>
-            <a:r>
-              <a:rPr lang="en-US" sz="1300">
+              <a:t>Fillimi</a:t>
+            </a:r>
+            <a:r>
+              <a:rPr lang="en-US" sz="1300" dirty="0">
                 <a:solidFill>
                   <a:srgbClr val="644600"/>
                 </a:solidFill>
               </a:rPr>
-              <a:t>â€¢ ShpejtÃ«si eksponenciale e konvergjencÃ«s - tipi pÃ«r Power Iteration</a:t>
-            </a:r>
-          </a:p>
-          <a:p>
-            <a:r>
-              <a:rPr lang="en-US" sz="1300">
+              <a:t>: Î” = 0.6375 (</a:t>
+            </a:r>
+            <a:r>
+              <a:rPr lang="en-US" sz="1300" dirty="0" err="1">
                 <a:solidFill>
                   <a:srgbClr val="644600"/>
                 </a:solidFill>
               </a:rPr>
-              <a:t>â€¢ Damping factor d = 0.85 siguron konvergjencÃ« tÃ« shpejtÃ« dhe tÃ« qÃ«ndrueshme</a:t>
-            </a:r>
+              <a:t>diferenca</a:t>
+            </a:r>
+            <a:r>
+              <a:rPr lang="en-US" sz="1300" dirty="0">
+                <a:solidFill>
+                  <a:srgbClr val="644600"/>
+                </a:solidFill>
+              </a:rPr>
+              <a:t> e </a:t>
+            </a:r>
+            <a:r>
+              <a:rPr lang="en-US" sz="1300" dirty="0" err="1">
+                <a:solidFill>
+                  <a:srgbClr val="644600"/>
+                </a:solidFill>
+              </a:rPr>
+              <a:t>madhe</a:t>
+            </a:r>
+            <a:r>
+              <a:rPr lang="en-US" sz="1300" dirty="0">
+                <a:solidFill>
+                  <a:srgbClr val="644600"/>
+                </a:solidFill>
+              </a:rPr>
+              <a:t>)</a:t>
+            </a:r>
+          </a:p>
+          <a:p>
+            <a:r>
+              <a:rPr lang="en-US" sz="1300" dirty="0">
+                <a:solidFill>
+                  <a:srgbClr val="644600"/>
+                </a:solidFill>
+              </a:rPr>
+              <a:t> </a:t>
+            </a:r>
+            <a:r>
+              <a:rPr lang="en-US" sz="1300" dirty="0" err="1">
+                <a:solidFill>
+                  <a:srgbClr val="644600"/>
+                </a:solidFill>
+              </a:rPr>
+              <a:t>Konvergjuar</a:t>
+            </a:r>
+            <a:r>
+              <a:rPr lang="en-US" sz="1300" dirty="0">
+                <a:solidFill>
+                  <a:srgbClr val="644600"/>
+                </a:solidFill>
+              </a:rPr>
+              <a:t> pas 19 </a:t>
+            </a:r>
+            <a:r>
+              <a:rPr lang="en-US" sz="1300" dirty="0" err="1">
+                <a:solidFill>
+                  <a:srgbClr val="644600"/>
+                </a:solidFill>
+              </a:rPr>
+              <a:t>iteracioneve</a:t>
+            </a:r>
+            <a:r>
+              <a:rPr lang="en-US" sz="1300" dirty="0">
+                <a:solidFill>
+                  <a:srgbClr val="644600"/>
+                </a:solidFill>
+              </a:rPr>
+              <a:t> (Î” &lt; 0.000001)</a:t>
+            </a:r>
+          </a:p>
+          <a:p>
+            <a:r>
+              <a:rPr lang="en-US" sz="1300" dirty="0">
+                <a:solidFill>
+                  <a:srgbClr val="644600"/>
+                </a:solidFill>
+              </a:rPr>
+              <a:t> </a:t>
+            </a:r>
+            <a:r>
+              <a:rPr lang="en-US" sz="1300" dirty="0" err="1">
+                <a:solidFill>
+                  <a:srgbClr val="644600"/>
+                </a:solidFill>
+              </a:rPr>
+              <a:t>Shpejtësi</a:t>
+            </a:r>
+            <a:r>
+              <a:rPr lang="en-US" sz="1300" dirty="0">
+                <a:solidFill>
+                  <a:srgbClr val="644600"/>
+                </a:solidFill>
+              </a:rPr>
+              <a:t> </a:t>
+            </a:r>
+            <a:r>
+              <a:rPr lang="en-US" sz="1300" dirty="0" err="1">
+                <a:solidFill>
+                  <a:srgbClr val="644600"/>
+                </a:solidFill>
+              </a:rPr>
+              <a:t>eksponenciale</a:t>
+            </a:r>
+            <a:r>
+              <a:rPr lang="en-US" sz="1300" dirty="0">
+                <a:solidFill>
+                  <a:srgbClr val="644600"/>
+                </a:solidFill>
+              </a:rPr>
+              <a:t> e </a:t>
+            </a:r>
+            <a:r>
+              <a:rPr lang="en-US" sz="1300" dirty="0" err="1">
+                <a:solidFill>
+                  <a:srgbClr val="644600"/>
+                </a:solidFill>
+              </a:rPr>
+              <a:t>konvergjencës</a:t>
+            </a:r>
+            <a:r>
+              <a:rPr lang="en-US" sz="1300" dirty="0">
+                <a:solidFill>
+                  <a:srgbClr val="644600"/>
+                </a:solidFill>
+              </a:rPr>
+              <a:t> - tipi </a:t>
+            </a:r>
+            <a:r>
+              <a:rPr lang="en-US" sz="1300" dirty="0" err="1">
+                <a:solidFill>
+                  <a:srgbClr val="644600"/>
+                </a:solidFill>
+              </a:rPr>
+              <a:t>për</a:t>
+            </a:r>
+            <a:r>
+              <a:rPr lang="en-US" sz="1300" dirty="0">
+                <a:solidFill>
+                  <a:srgbClr val="644600"/>
+                </a:solidFill>
+              </a:rPr>
+              <a:t> Power Iteration</a:t>
+            </a:r>
+          </a:p>
+          <a:p>
+            <a:r>
+              <a:rPr lang="en-US" sz="1300" dirty="0">
+                <a:solidFill>
+                  <a:srgbClr val="644600"/>
+                </a:solidFill>
+              </a:rPr>
+              <a:t> Damping factor d = 0.85 </a:t>
+            </a:r>
+            <a:r>
+              <a:rPr lang="en-US" sz="1300" dirty="0" err="1">
+                <a:solidFill>
+                  <a:srgbClr val="644600"/>
+                </a:solidFill>
+              </a:rPr>
+              <a:t>siguron</a:t>
+            </a:r>
+            <a:r>
+              <a:rPr lang="en-US" sz="1300" dirty="0">
+                <a:solidFill>
+                  <a:srgbClr val="644600"/>
+                </a:solidFill>
+              </a:rPr>
+              <a:t> </a:t>
+            </a:r>
+            <a:r>
+              <a:rPr lang="en-US" sz="1300" dirty="0" err="1">
+                <a:solidFill>
+                  <a:srgbClr val="644600"/>
+                </a:solidFill>
+              </a:rPr>
+              <a:t>konvergjencë</a:t>
+            </a:r>
+            <a:r>
+              <a:rPr lang="en-US" sz="1300" dirty="0">
+                <a:solidFill>
+                  <a:srgbClr val="644600"/>
+                </a:solidFill>
+              </a:rPr>
+              <a:t> </a:t>
+            </a:r>
+            <a:r>
+              <a:rPr lang="en-US" sz="1300" dirty="0" err="1">
+                <a:solidFill>
+                  <a:srgbClr val="644600"/>
+                </a:solidFill>
+              </a:rPr>
+              <a:t>të</a:t>
+            </a:r>
+            <a:r>
+              <a:rPr lang="en-US" sz="1300" dirty="0">
+                <a:solidFill>
+                  <a:srgbClr val="644600"/>
+                </a:solidFill>
+              </a:rPr>
+              <a:t> </a:t>
+            </a:r>
+            <a:r>
+              <a:rPr lang="en-US" sz="1300" dirty="0" err="1">
+                <a:solidFill>
+                  <a:srgbClr val="644600"/>
+                </a:solidFill>
+              </a:rPr>
+              <a:t>shpejtë</a:t>
+            </a:r>
+            <a:r>
+              <a:rPr lang="en-US" sz="1300" dirty="0">
+                <a:solidFill>
+                  <a:srgbClr val="644600"/>
+                </a:solidFill>
+              </a:rPr>
+              <a:t> </a:t>
+            </a:r>
+            <a:r>
+              <a:rPr lang="en-US" sz="1300" dirty="0" err="1">
+                <a:solidFill>
+                  <a:srgbClr val="644600"/>
+                </a:solidFill>
+              </a:rPr>
+              <a:t>dhe</a:t>
+            </a:r>
+            <a:r>
+              <a:rPr lang="en-US" sz="1300" dirty="0">
+                <a:solidFill>
+                  <a:srgbClr val="644600"/>
+                </a:solidFill>
+              </a:rPr>
+              <a:t> </a:t>
+            </a:r>
+            <a:r>
+              <a:rPr lang="en-US" sz="1300" dirty="0" err="1">
+                <a:solidFill>
+                  <a:srgbClr val="644600"/>
+                </a:solidFill>
+              </a:rPr>
+              <a:t>të</a:t>
+            </a:r>
+            <a:r>
+              <a:rPr lang="en-US" sz="1300" dirty="0">
+                <a:solidFill>
+                  <a:srgbClr val="644600"/>
+                </a:solidFill>
+              </a:rPr>
+              <a:t> </a:t>
+            </a:r>
+            <a:r>
+              <a:rPr lang="en-US" sz="1300" dirty="0" err="1">
+                <a:solidFill>
+                  <a:srgbClr val="644600"/>
+                </a:solidFill>
+              </a:rPr>
+              <a:t>qëndrueshme</a:t>
+            </a:r>
+            <a:endParaRPr lang="en-US" sz="1300" dirty="0">
+              <a:solidFill>
+                <a:srgbClr val="644600"/>
+              </a:solidFill>
+            </a:endParaRPr>
           </a:p>
         </p:txBody>
       </p:sp>
@@ -8499,14 +9116,14 @@
           <a:lstStyle/>
           <a:p>
             <a:r>
-              <a:rPr lang="pt-BR" sz="3200" b="1">
+              <a:rPr lang="pt-BR" sz="3200" b="1" dirty="0">
                 <a:solidFill>
                   <a:srgbClr val="FFFFFF"/>
                 </a:solidFill>
               </a:rPr>
-              <a:t>ðŸ“š REFERENCA E LIBRIT &amp; OBJEKTIVAT</a:t>
-            </a:r>
-            <a:endParaRPr lang="en-US" sz="3200" b="1">
+              <a:t>REFERENCA E LIBRIT &amp; OBJEKTIVAT</a:t>
+            </a:r>
+            <a:endParaRPr lang="en-US" sz="3200" b="1" dirty="0">
               <a:solidFill>
                 <a:srgbClr val="FFFFFF"/>
               </a:solidFill>
@@ -8609,20 +9226,12 @@
               </a:spcAft>
             </a:pPr>
             <a:r>
-              <a:rPr lang="en-US" sz="1500" dirty="0" err="1">
+              <a:rPr lang="en-US" sz="1500" dirty="0">
                 <a:solidFill>
                   <a:srgbClr val="142850"/>
                 </a:solidFill>
               </a:rPr>
-              <a:t>ðŸ</a:t>
-            </a:r>
-            <a:r>
-              <a:rPr lang="en-US" sz="1500" dirty="0">
-                <a:solidFill>
-                  <a:srgbClr val="142850"/>
-                </a:solidFill>
-              </a:rPr>
-              <a:t>“– LIBRI: Web Data Mining: Exploring Hyperlinks, Contents, and Usage Data</a:t>
+              <a:t>– LIBRI: Web Data Mining: Exploring Hyperlinks, Contents, and Usage Data</a:t>
             </a:r>
           </a:p>
           <a:p>
@@ -8652,7 +9261,7 @@
                   <a:srgbClr val="142850"/>
                 </a:solidFill>
               </a:rPr>
-              <a:t>ï¿½ KAPITUJT: 10 (</a:t>
+              <a:t> KAPITUJT: 10 (</a:t>
             </a:r>
             <a:r>
               <a:rPr lang="en-US" sz="1500" dirty="0" err="1">
@@ -8692,7 +9301,7 @@
                   <a:srgbClr val="142850"/>
                 </a:solidFill>
               </a:rPr>
-              <a:t>nÃ</a:t>
+              <a:t>në</a:t>
             </a:r>
             <a:r>
               <a:rPr lang="en-US" sz="1500" dirty="0">
@@ -8700,7 +9309,7 @@
                   <a:srgbClr val="142850"/>
                 </a:solidFill>
               </a:rPr>
-              <a:t>« </a:t>
+              <a:t> </a:t>
             </a:r>
             <a:r>
               <a:rPr lang="en-US" sz="1500" dirty="0" err="1">
@@ -8740,7 +9349,7 @@
                   <a:srgbClr val="142850"/>
                 </a:solidFill>
               </a:rPr>
-              <a:t>strukturÃ«s</a:t>
+              <a:t>strukturës</a:t>
             </a:r>
             <a:r>
               <a:rPr lang="en-US" sz="1500" dirty="0">
@@ -8758,12 +9367,20 @@
               </a:spcAft>
             </a:pPr>
             <a:r>
+              <a:rPr lang="en-US" sz="1500" dirty="0">
+                <a:solidFill>
+                  <a:srgbClr val="142850"/>
+                </a:solidFill>
+              </a:rPr>
+              <a:t>CITUAR: </a:t>
+            </a:r>
+            <a:r>
               <a:rPr lang="en-US" sz="1500" dirty="0" err="1">
                 <a:solidFill>
                   <a:srgbClr val="142850"/>
                 </a:solidFill>
               </a:rPr>
-              <a:t>ðŸ</a:t>
+              <a:t>Mbi</a:t>
             </a:r>
             <a:r>
               <a:rPr lang="en-US" sz="1500" dirty="0">
@@ -8771,7 +9388,7 @@
                   <a:srgbClr val="142850"/>
                 </a:solidFill>
               </a:rPr>
-              <a:t>† CITUAR: </a:t>
+              <a:t> 15,000 </a:t>
             </a:r>
             <a:r>
               <a:rPr lang="en-US" sz="1500" dirty="0" err="1">
@@ -8779,7 +9396,7 @@
                   <a:srgbClr val="142850"/>
                 </a:solidFill>
               </a:rPr>
-              <a:t>Mbi</a:t>
+              <a:t>herë</a:t>
             </a:r>
             <a:r>
               <a:rPr lang="en-US" sz="1500" dirty="0">
@@ -8787,7 +9404,7 @@
                   <a:srgbClr val="142850"/>
                 </a:solidFill>
               </a:rPr>
-              <a:t> 15,000 </a:t>
+              <a:t> - </a:t>
             </a:r>
             <a:r>
               <a:rPr lang="en-US" sz="1500" dirty="0" err="1">
@@ -8795,7 +9412,7 @@
                   <a:srgbClr val="142850"/>
                 </a:solidFill>
               </a:rPr>
-              <a:t>herÃ</a:t>
+              <a:t>Burim</a:t>
             </a:r>
             <a:r>
               <a:rPr lang="en-US" sz="1500" dirty="0">
@@ -8803,7 +9420,7 @@
                   <a:srgbClr val="142850"/>
                 </a:solidFill>
               </a:rPr>
-              <a:t>« - </a:t>
+              <a:t> </a:t>
             </a:r>
             <a:r>
               <a:rPr lang="en-US" sz="1500" dirty="0" err="1">
@@ -8811,7 +9428,7 @@
                   <a:srgbClr val="142850"/>
                 </a:solidFill>
               </a:rPr>
-              <a:t>Burim</a:t>
+              <a:t>i</a:t>
             </a:r>
             <a:r>
               <a:rPr lang="en-US" sz="1500" dirty="0">
@@ -8827,7 +9444,7 @@
                   <a:srgbClr val="142850"/>
                 </a:solidFill>
               </a:rPr>
-              <a:t>i</a:t>
+              <a:t>autoritetshëm</a:t>
             </a:r>
             <a:r>
               <a:rPr lang="en-US" sz="1500" dirty="0">
@@ -8843,23 +9460,7 @@
                   <a:srgbClr val="142850"/>
                 </a:solidFill>
               </a:rPr>
-              <a:t>autoritetshÃ«m</a:t>
-            </a:r>
-            <a:r>
-              <a:rPr lang="en-US" sz="1500" dirty="0">
-                <a:solidFill>
-                  <a:srgbClr val="142850"/>
-                </a:solidFill>
-              </a:rPr>
-              <a:t> </a:t>
-            </a:r>
-            <a:r>
-              <a:rPr lang="en-US" sz="1500" dirty="0" err="1">
-                <a:solidFill>
-                  <a:srgbClr val="142850"/>
-                </a:solidFill>
-              </a:rPr>
-              <a:t>pÃ«r</a:t>
+              <a:t>për</a:t>
             </a:r>
             <a:r>
               <a:rPr lang="en-US" sz="1500" dirty="0">
@@ -9027,22 +9628,6 @@
                   <a:srgbClr val="142850"/>
                 </a:solidFill>
               </a:rPr>
-              <a:t>âœ</a:t>
-            </a:r>
-            <a:r>
-              <a:rPr lang="en-US" sz="1400" dirty="0">
-                <a:solidFill>
-                  <a:srgbClr val="142850"/>
-                </a:solidFill>
-              </a:rPr>
-              <a:t>… </a:t>
-            </a:r>
-            <a:r>
-              <a:rPr lang="en-US" sz="1400" dirty="0" err="1">
-                <a:solidFill>
-                  <a:srgbClr val="142850"/>
-                </a:solidFill>
-              </a:rPr>
               <a:t>Algoritmi</a:t>
             </a:r>
             <a:r>
@@ -9093,20 +9678,12 @@
               </a:spcAft>
             </a:pPr>
             <a:r>
-              <a:rPr lang="en-US" sz="1400" dirty="0" err="1">
+              <a:rPr lang="en-US" sz="1400" dirty="0">
                 <a:solidFill>
                   <a:srgbClr val="142850"/>
                 </a:solidFill>
               </a:rPr>
-              <a:t>âœ</a:t>
-            </a:r>
-            <a:r>
-              <a:rPr lang="en-US" sz="1400" dirty="0">
-                <a:solidFill>
-                  <a:srgbClr val="142850"/>
-                </a:solidFill>
-              </a:rPr>
-              <a:t>… </a:t>
+              <a:t> </a:t>
             </a:r>
             <a:r>
               <a:rPr lang="en-US" sz="1400" dirty="0" err="1">
@@ -9132,12 +9709,20 @@
               </a:spcAft>
             </a:pPr>
             <a:r>
+              <a:rPr lang="en-US" sz="1400" dirty="0">
+                <a:solidFill>
+                  <a:srgbClr val="142850"/>
+                </a:solidFill>
+              </a:rPr>
+              <a:t> </a:t>
+            </a:r>
+            <a:r>
               <a:rPr lang="en-US" sz="1400" dirty="0" err="1">
                 <a:solidFill>
                   <a:srgbClr val="142850"/>
                 </a:solidFill>
               </a:rPr>
-              <a:t>âœ</a:t>
+              <a:t>Analiza</a:t>
             </a:r>
             <a:r>
               <a:rPr lang="en-US" sz="1400" dirty="0">
@@ -9145,7 +9730,7 @@
                   <a:srgbClr val="142850"/>
                 </a:solidFill>
               </a:rPr>
-              <a:t>… </a:t>
+              <a:t> e </a:t>
             </a:r>
             <a:r>
               <a:rPr lang="en-US" sz="1400" dirty="0" err="1">
@@ -9153,7 +9738,7 @@
                   <a:srgbClr val="142850"/>
                 </a:solidFill>
               </a:rPr>
-              <a:t>Analiza</a:t>
+              <a:t>strukturës</a:t>
             </a:r>
             <a:r>
               <a:rPr lang="en-US" sz="1400" dirty="0">
@@ -9161,7 +9746,7 @@
                   <a:srgbClr val="142850"/>
                 </a:solidFill>
               </a:rPr>
-              <a:t> e </a:t>
+              <a:t> </a:t>
             </a:r>
             <a:r>
               <a:rPr lang="en-US" sz="1400" dirty="0" err="1">
@@ -9169,7 +9754,7 @@
                   <a:srgbClr val="142850"/>
                 </a:solidFill>
               </a:rPr>
-              <a:t>strukturÃ«s</a:t>
+              <a:t>së</a:t>
             </a:r>
             <a:r>
               <a:rPr lang="en-US" sz="1400" dirty="0">
@@ -9178,22 +9763,6 @@
                 </a:solidFill>
               </a:rPr>
               <a:t> </a:t>
-            </a:r>
-            <a:r>
-              <a:rPr lang="en-US" sz="1400" dirty="0" err="1">
-                <a:solidFill>
-                  <a:srgbClr val="142850"/>
-                </a:solidFill>
-              </a:rPr>
-              <a:t>sÃ</a:t>
-            </a:r>
-            <a:r>
-              <a:rPr lang="en-US" sz="1400" dirty="0">
-                <a:solidFill>
-                  <a:srgbClr val="142850"/>
-                </a:solidFill>
-              </a:rPr>
-              <a:t>« </a:t>
             </a:r>
             <a:r>
               <a:rPr lang="en-US" sz="1400" dirty="0" err="1">
@@ -9219,20 +9788,12 @@
               </a:spcAft>
             </a:pPr>
             <a:r>
-              <a:rPr lang="en-US" sz="1400" dirty="0" err="1">
+              <a:rPr lang="en-US" sz="1400" dirty="0">
                 <a:solidFill>
                   <a:srgbClr val="142850"/>
                 </a:solidFill>
               </a:rPr>
-              <a:t>âœ</a:t>
-            </a:r>
-            <a:r>
-              <a:rPr lang="en-US" sz="1400" dirty="0">
-                <a:solidFill>
-                  <a:srgbClr val="142850"/>
-                </a:solidFill>
-              </a:rPr>
-              <a:t>… </a:t>
+              <a:t> </a:t>
             </a:r>
             <a:r>
               <a:rPr lang="en-US" sz="1400" dirty="0" err="1">
@@ -9274,20 +9835,12 @@
               </a:spcAft>
             </a:pPr>
             <a:r>
-              <a:rPr lang="en-US" sz="1400" dirty="0" err="1">
+              <a:rPr lang="en-US" sz="1400" dirty="0">
                 <a:solidFill>
                   <a:srgbClr val="142850"/>
                 </a:solidFill>
               </a:rPr>
-              <a:t>âœ</a:t>
-            </a:r>
-            <a:r>
-              <a:rPr lang="en-US" sz="1400" dirty="0">
-                <a:solidFill>
-                  <a:srgbClr val="142850"/>
-                </a:solidFill>
-              </a:rPr>
-              <a:t>… </a:t>
+              <a:t> </a:t>
             </a:r>
             <a:r>
               <a:rPr lang="en-US" sz="1400" dirty="0" err="1">
@@ -9329,20 +9882,12 @@
               </a:spcAft>
             </a:pPr>
             <a:r>
-              <a:rPr lang="en-US" sz="1400" dirty="0" err="1">
+              <a:rPr lang="en-US" sz="1400" dirty="0">
                 <a:solidFill>
                   <a:srgbClr val="142850"/>
                 </a:solidFill>
               </a:rPr>
-              <a:t>âœ</a:t>
-            </a:r>
-            <a:r>
-              <a:rPr lang="en-US" sz="1400" dirty="0">
-                <a:solidFill>
-                  <a:srgbClr val="142850"/>
-                </a:solidFill>
-              </a:rPr>
-              <a:t>… </a:t>
+              <a:t> </a:t>
             </a:r>
             <a:r>
               <a:rPr lang="en-US" sz="1400" dirty="0" err="1">
@@ -9381,20 +9926,12 @@
               </a:spcAft>
             </a:pPr>
             <a:r>
-              <a:rPr lang="en-US" sz="1400" dirty="0" err="1">
+              <a:rPr lang="en-US" sz="1400" dirty="0">
                 <a:solidFill>
                   <a:srgbClr val="142850"/>
                 </a:solidFill>
               </a:rPr>
-              <a:t>âœ</a:t>
-            </a:r>
-            <a:r>
-              <a:rPr lang="en-US" sz="1400" dirty="0">
-                <a:solidFill>
-                  <a:srgbClr val="142850"/>
-                </a:solidFill>
-              </a:rPr>
-              <a:t>… </a:t>
+              <a:t> </a:t>
             </a:r>
             <a:r>
               <a:rPr lang="en-US" sz="1400" dirty="0" err="1">
@@ -9508,7 +10045,7 @@
                   <a:srgbClr val="502800"/>
                 </a:solidFill>
               </a:rPr>
-              <a:t>OBJEKTIVAT E TÃ‹ MÃ‹SUARIT:</a:t>
+              <a:t>OBJEKTIVAT E TË MËSUARIT:</a:t>
             </a:r>
           </a:p>
           <a:p>
@@ -9523,7 +10060,7 @@
                   <a:srgbClr val="502800"/>
                 </a:solidFill>
               </a:rPr>
-              <a:t>ðŸŽ</a:t>
+              <a:t>Kuptimi</a:t>
             </a:r>
             <a:r>
               <a:rPr lang="en-US" sz="1400" dirty="0">
@@ -9531,7 +10068,7 @@
                   <a:srgbClr val="502800"/>
                 </a:solidFill>
               </a:rPr>
-              <a:t>¯ </a:t>
+              <a:t> </a:t>
             </a:r>
             <a:r>
               <a:rPr lang="en-US" sz="1400" dirty="0" err="1">
@@ -9539,7 +10076,7 @@
                   <a:srgbClr val="502800"/>
                 </a:solidFill>
               </a:rPr>
-              <a:t>Kuptimi</a:t>
+              <a:t>i</a:t>
             </a:r>
             <a:r>
               <a:rPr lang="en-US" sz="1400" dirty="0">
@@ -9555,7 +10092,7 @@
                   <a:srgbClr val="502800"/>
                 </a:solidFill>
               </a:rPr>
-              <a:t>i</a:t>
+              <a:t>algoritmeve</a:t>
             </a:r>
             <a:r>
               <a:rPr lang="en-US" sz="1400" dirty="0">
@@ -9571,7 +10108,7 @@
                   <a:srgbClr val="502800"/>
                 </a:solidFill>
               </a:rPr>
-              <a:t>algoritmeve</a:t>
+              <a:t>të</a:t>
             </a:r>
             <a:r>
               <a:rPr lang="en-US" sz="1400" dirty="0">
@@ -9580,22 +10117,6 @@
                 </a:solidFill>
               </a:rPr>
               <a:t> </a:t>
-            </a:r>
-            <a:r>
-              <a:rPr lang="en-US" sz="1400" dirty="0" err="1">
-                <a:solidFill>
-                  <a:srgbClr val="502800"/>
-                </a:solidFill>
-              </a:rPr>
-              <a:t>tÃ</a:t>
-            </a:r>
-            <a:r>
-              <a:rPr lang="en-US" sz="1400" dirty="0">
-                <a:solidFill>
-                  <a:srgbClr val="502800"/>
-                </a:solidFill>
-              </a:rPr>
-              <a:t>« </a:t>
             </a:r>
             <a:r>
               <a:rPr lang="en-US" sz="1400" dirty="0" err="1">
@@ -9618,20 +10139,12 @@
               </a:spcAft>
             </a:pPr>
             <a:r>
-              <a:rPr lang="en-US" sz="1400" dirty="0" err="1">
+              <a:rPr lang="en-US" sz="1400" dirty="0">
                 <a:solidFill>
                   <a:srgbClr val="502800"/>
                 </a:solidFill>
               </a:rPr>
-              <a:t>ðŸŽ</a:t>
-            </a:r>
-            <a:r>
-              <a:rPr lang="en-US" sz="1400" dirty="0">
-                <a:solidFill>
-                  <a:srgbClr val="502800"/>
-                </a:solidFill>
-              </a:rPr>
-              <a:t>¯ </a:t>
+              <a:t> </a:t>
             </a:r>
             <a:r>
               <a:rPr lang="en-US" sz="1400" dirty="0" err="1">
@@ -9689,12 +10202,20 @@
               </a:spcAft>
             </a:pPr>
             <a:r>
+              <a:rPr lang="en-US" sz="1400" dirty="0">
+                <a:solidFill>
+                  <a:srgbClr val="502800"/>
+                </a:solidFill>
+              </a:rPr>
+              <a:t> </a:t>
+            </a:r>
+            <a:r>
               <a:rPr lang="en-US" sz="1400" dirty="0" err="1">
                 <a:solidFill>
                   <a:srgbClr val="502800"/>
                 </a:solidFill>
               </a:rPr>
-              <a:t>ðŸŽ</a:t>
+              <a:t>Analiza</a:t>
             </a:r>
             <a:r>
               <a:rPr lang="en-US" sz="1400" dirty="0">
@@ -9702,7 +10223,7 @@
                   <a:srgbClr val="502800"/>
                 </a:solidFill>
               </a:rPr>
-              <a:t>¯ </a:t>
+              <a:t> e </a:t>
             </a:r>
             <a:r>
               <a:rPr lang="en-US" sz="1400" dirty="0" err="1">
@@ -9710,7 +10231,7 @@
                   <a:srgbClr val="502800"/>
                 </a:solidFill>
               </a:rPr>
-              <a:t>Analiza</a:t>
+              <a:t>strukturës</a:t>
             </a:r>
             <a:r>
               <a:rPr lang="en-US" sz="1400" dirty="0">
@@ -9718,7 +10239,7 @@
                   <a:srgbClr val="502800"/>
                 </a:solidFill>
               </a:rPr>
-              <a:t> e </a:t>
+              <a:t> </a:t>
             </a:r>
             <a:r>
               <a:rPr lang="en-US" sz="1400" dirty="0" err="1">
@@ -9726,7 +10247,7 @@
                   <a:srgbClr val="502800"/>
                 </a:solidFill>
               </a:rPr>
-              <a:t>strukturÃ«s</a:t>
+              <a:t>së</a:t>
             </a:r>
             <a:r>
               <a:rPr lang="en-US" sz="1400" dirty="0">
@@ -9735,22 +10256,6 @@
                 </a:solidFill>
               </a:rPr>
               <a:t> </a:t>
-            </a:r>
-            <a:r>
-              <a:rPr lang="en-US" sz="1400" dirty="0" err="1">
-                <a:solidFill>
-                  <a:srgbClr val="502800"/>
-                </a:solidFill>
-              </a:rPr>
-              <a:t>sÃ</a:t>
-            </a:r>
-            <a:r>
-              <a:rPr lang="en-US" sz="1400" dirty="0">
-                <a:solidFill>
-                  <a:srgbClr val="502800"/>
-                </a:solidFill>
-              </a:rPr>
-              <a:t>« </a:t>
             </a:r>
             <a:r>
               <a:rPr lang="en-US" sz="1400" dirty="0" err="1">
@@ -9776,12 +10281,20 @@
               </a:spcAft>
             </a:pPr>
             <a:r>
+              <a:rPr lang="en-US" sz="1400" dirty="0">
+                <a:solidFill>
+                  <a:srgbClr val="502800"/>
+                </a:solidFill>
+              </a:rPr>
+              <a:t> </a:t>
+            </a:r>
+            <a:r>
               <a:rPr lang="en-US" sz="1400" dirty="0" err="1">
                 <a:solidFill>
                   <a:srgbClr val="502800"/>
                 </a:solidFill>
               </a:rPr>
-              <a:t>ðŸŽ</a:t>
+              <a:t>Llogaritja</a:t>
             </a:r>
             <a:r>
               <a:rPr lang="en-US" sz="1400" dirty="0">
@@ -9789,7 +10302,7 @@
                   <a:srgbClr val="502800"/>
                 </a:solidFill>
               </a:rPr>
-              <a:t>¯ </a:t>
+              <a:t> e </a:t>
             </a:r>
             <a:r>
               <a:rPr lang="en-US" sz="1400" dirty="0" err="1">
@@ -9797,7 +10310,7 @@
                   <a:srgbClr val="502800"/>
                 </a:solidFill>
               </a:rPr>
-              <a:t>Llogaritja</a:t>
+              <a:t>metrikave</a:t>
             </a:r>
             <a:r>
               <a:rPr lang="en-US" sz="1400" dirty="0">
@@ -9805,7 +10318,7 @@
                   <a:srgbClr val="502800"/>
                 </a:solidFill>
               </a:rPr>
-              <a:t> e </a:t>
+              <a:t> </a:t>
             </a:r>
             <a:r>
               <a:rPr lang="en-US" sz="1400" dirty="0" err="1">
@@ -9813,7 +10326,7 @@
                   <a:srgbClr val="502800"/>
                 </a:solidFill>
               </a:rPr>
-              <a:t>metrikave</a:t>
+              <a:t>të</a:t>
             </a:r>
             <a:r>
               <a:rPr lang="en-US" sz="1400" dirty="0">
@@ -9822,22 +10335,6 @@
                 </a:solidFill>
               </a:rPr>
               <a:t> </a:t>
-            </a:r>
-            <a:r>
-              <a:rPr lang="en-US" sz="1400" dirty="0" err="1">
-                <a:solidFill>
-                  <a:srgbClr val="502800"/>
-                </a:solidFill>
-              </a:rPr>
-              <a:t>tÃ</a:t>
-            </a:r>
-            <a:r>
-              <a:rPr lang="en-US" sz="1400" dirty="0">
-                <a:solidFill>
-                  <a:srgbClr val="502800"/>
-                </a:solidFill>
-              </a:rPr>
-              <a:t>« </a:t>
             </a:r>
             <a:r>
               <a:rPr lang="en-US" sz="1400" dirty="0" err="1">
@@ -9860,20 +10357,12 @@
               </a:spcAft>
             </a:pPr>
             <a:r>
-              <a:rPr lang="en-US" sz="1400" dirty="0" err="1">
+              <a:rPr lang="en-US" sz="1400" dirty="0">
                 <a:solidFill>
                   <a:srgbClr val="502800"/>
                 </a:solidFill>
               </a:rPr>
-              <a:t>ðŸŽ</a:t>
-            </a:r>
-            <a:r>
-              <a:rPr lang="en-US" sz="1400" dirty="0">
-                <a:solidFill>
-                  <a:srgbClr val="502800"/>
-                </a:solidFill>
-              </a:rPr>
-              <a:t>¯ </a:t>
+              <a:t> </a:t>
             </a:r>
             <a:r>
               <a:rPr lang="en-US" sz="1400" dirty="0" err="1">
@@ -9928,12 +10417,20 @@
               </a:spcAft>
             </a:pPr>
             <a:r>
+              <a:rPr lang="en-US" sz="1400" dirty="0">
+                <a:solidFill>
+                  <a:srgbClr val="502800"/>
+                </a:solidFill>
+              </a:rPr>
+              <a:t> </a:t>
+            </a:r>
+            <a:r>
               <a:rPr lang="en-US" sz="1400" dirty="0" err="1">
                 <a:solidFill>
                   <a:srgbClr val="502800"/>
                 </a:solidFill>
               </a:rPr>
-              <a:t>ðŸŽ</a:t>
+              <a:t>Aplikimi</a:t>
             </a:r>
             <a:r>
               <a:rPr lang="en-US" sz="1400" dirty="0">
@@ -9941,7 +10438,7 @@
                   <a:srgbClr val="502800"/>
                 </a:solidFill>
               </a:rPr>
-              <a:t>¯ </a:t>
+              <a:t> </a:t>
             </a:r>
             <a:r>
               <a:rPr lang="en-US" sz="1400" dirty="0" err="1">
@@ -9949,7 +10446,7 @@
                   <a:srgbClr val="502800"/>
                 </a:solidFill>
               </a:rPr>
-              <a:t>Aplikimi</a:t>
+              <a:t>në</a:t>
             </a:r>
             <a:r>
               <a:rPr lang="en-US" sz="1400" dirty="0">
@@ -9958,22 +10455,6 @@
                 </a:solidFill>
               </a:rPr>
               <a:t> </a:t>
-            </a:r>
-            <a:r>
-              <a:rPr lang="en-US" sz="1400" dirty="0" err="1">
-                <a:solidFill>
-                  <a:srgbClr val="502800"/>
-                </a:solidFill>
-              </a:rPr>
-              <a:t>nÃ</a:t>
-            </a:r>
-            <a:r>
-              <a:rPr lang="en-US" sz="1400" dirty="0">
-                <a:solidFill>
-                  <a:srgbClr val="502800"/>
-                </a:solidFill>
-              </a:rPr>
-              <a:t>« </a:t>
             </a:r>
             <a:r>
               <a:rPr lang="en-US" sz="1400" dirty="0" err="1">
@@ -10012,20 +10493,12 @@
               </a:spcAft>
             </a:pPr>
             <a:r>
-              <a:rPr lang="en-US" sz="1400" dirty="0" err="1">
+              <a:rPr lang="en-US" sz="1400" dirty="0">
                 <a:solidFill>
                   <a:srgbClr val="502800"/>
                 </a:solidFill>
               </a:rPr>
-              <a:t>ðŸŽ</a:t>
-            </a:r>
-            <a:r>
-              <a:rPr lang="en-US" sz="1400" dirty="0">
-                <a:solidFill>
-                  <a:srgbClr val="502800"/>
-                </a:solidFill>
-              </a:rPr>
-              <a:t>¯ </a:t>
+              <a:t> </a:t>
             </a:r>
             <a:r>
               <a:rPr lang="en-US" sz="1400" dirty="0" err="1">
@@ -10301,7 +10774,7 @@
         <p:spPr>
           <a:xfrm>
             <a:off x="762000" y="1143000"/>
-            <a:ext cx="7620000" cy="1246495"/>
+            <a:ext cx="7620000" cy="1015663"/>
           </a:xfrm>
           <a:prstGeom prst="rect">
             <a:avLst/>
@@ -10315,42 +10788,378 @@
           <a:lstStyle/>
           <a:p>
             <a:r>
-              <a:rPr lang="en-US" sz="1500" b="1">
+              <a:rPr lang="en-US" sz="1500" b="1" dirty="0">
                 <a:solidFill>
                   <a:srgbClr val="503C00"/>
                 </a:solidFill>
               </a:rPr>
-              <a:t>ðŸ’¡ KONCEPTI KRYESOR:</a:t>
-            </a:r>
-          </a:p>
-          <a:p>
-            <a:r>
-              <a:rPr lang="en-US" sz="1500" b="1">
+              <a:t>- KONCEPTI KRYESOR:</a:t>
+            </a:r>
+          </a:p>
+          <a:p>
+            <a:r>
+              <a:rPr lang="en-US" sz="1500" b="1" dirty="0">
                 <a:solidFill>
                   <a:srgbClr val="503C00"/>
                 </a:solidFill>
               </a:rPr>
-              <a:t>PageRank mat rÃ«ndÃ«sinÃ« e faqeve web bazuar nÃ« strukturÃ«n e lidhjeve.</a:t>
-            </a:r>
-          </a:p>
-          <a:p>
-            <a:r>
-              <a:rPr lang="en-US" sz="1500" b="1">
+              <a:t>PageRank mat </a:t>
+            </a:r>
+            <a:r>
+              <a:rPr lang="en-US" sz="1500" b="1" dirty="0" err="1">
                 <a:solidFill>
                   <a:srgbClr val="503C00"/>
                 </a:solidFill>
               </a:rPr>
-              <a:t>Zhvilluar nga Larry Page dhe Sergey Brin (themeluesit e Google, 1998).</a:t>
-            </a:r>
-          </a:p>
-          <a:p>
-            <a:r>
-              <a:rPr lang="en-US" sz="1500" b="1">
+              <a:t>rëndësinë</a:t>
+            </a:r>
+            <a:r>
+              <a:rPr lang="en-US" sz="1500" b="1" dirty="0">
                 <a:solidFill>
                   <a:srgbClr val="503C00"/>
                 </a:solidFill>
               </a:rPr>
-              <a:t>Ideja themelore: NjÃ« faqe Ã«shtÃ« e rÃ«ndÃ«sishme nÃ«se faqe tÃ« rÃ«ndÃ«sishme lidhen me tÃ«!</a:t>
+              <a:t> e </a:t>
+            </a:r>
+            <a:r>
+              <a:rPr lang="en-US" sz="1500" b="1" dirty="0" err="1">
+                <a:solidFill>
+                  <a:srgbClr val="503C00"/>
+                </a:solidFill>
+              </a:rPr>
+              <a:t>faqeve</a:t>
+            </a:r>
+            <a:r>
+              <a:rPr lang="en-US" sz="1500" b="1" dirty="0">
+                <a:solidFill>
+                  <a:srgbClr val="503C00"/>
+                </a:solidFill>
+              </a:rPr>
+              <a:t> web </a:t>
+            </a:r>
+            <a:r>
+              <a:rPr lang="en-US" sz="1500" b="1" dirty="0" err="1">
+                <a:solidFill>
+                  <a:srgbClr val="503C00"/>
+                </a:solidFill>
+              </a:rPr>
+              <a:t>bazuar</a:t>
+            </a:r>
+            <a:r>
+              <a:rPr lang="en-US" sz="1500" b="1" dirty="0">
+                <a:solidFill>
+                  <a:srgbClr val="503C00"/>
+                </a:solidFill>
+              </a:rPr>
+              <a:t> </a:t>
+            </a:r>
+            <a:r>
+              <a:rPr lang="en-US" sz="1500" b="1" dirty="0" err="1">
+                <a:solidFill>
+                  <a:srgbClr val="503C00"/>
+                </a:solidFill>
+              </a:rPr>
+              <a:t>në</a:t>
+            </a:r>
+            <a:r>
+              <a:rPr lang="en-US" sz="1500" b="1" dirty="0">
+                <a:solidFill>
+                  <a:srgbClr val="503C00"/>
+                </a:solidFill>
+              </a:rPr>
+              <a:t> </a:t>
+            </a:r>
+            <a:r>
+              <a:rPr lang="en-US" sz="1500" b="1" dirty="0" err="1">
+                <a:solidFill>
+                  <a:srgbClr val="503C00"/>
+                </a:solidFill>
+              </a:rPr>
+              <a:t>strukturën</a:t>
+            </a:r>
+            <a:r>
+              <a:rPr lang="en-US" sz="1500" b="1" dirty="0">
+                <a:solidFill>
+                  <a:srgbClr val="503C00"/>
+                </a:solidFill>
+              </a:rPr>
+              <a:t> e </a:t>
+            </a:r>
+            <a:r>
+              <a:rPr lang="en-US" sz="1500" b="1" dirty="0" err="1">
+                <a:solidFill>
+                  <a:srgbClr val="503C00"/>
+                </a:solidFill>
+              </a:rPr>
+              <a:t>lidhjeve</a:t>
+            </a:r>
+            <a:r>
+              <a:rPr lang="en-US" sz="1500" b="1" dirty="0">
+                <a:solidFill>
+                  <a:srgbClr val="503C00"/>
+                </a:solidFill>
+              </a:rPr>
+              <a:t>.</a:t>
+            </a:r>
+          </a:p>
+          <a:p>
+            <a:r>
+              <a:rPr lang="en-US" sz="1500" b="1" dirty="0" err="1">
+                <a:solidFill>
+                  <a:srgbClr val="503C00"/>
+                </a:solidFill>
+              </a:rPr>
+              <a:t>Zhvilluar</a:t>
+            </a:r>
+            <a:r>
+              <a:rPr lang="en-US" sz="1500" b="1" dirty="0">
+                <a:solidFill>
+                  <a:srgbClr val="503C00"/>
+                </a:solidFill>
+              </a:rPr>
+              <a:t> </a:t>
+            </a:r>
+            <a:r>
+              <a:rPr lang="en-US" sz="1500" b="1" dirty="0" err="1">
+                <a:solidFill>
+                  <a:srgbClr val="503C00"/>
+                </a:solidFill>
+              </a:rPr>
+              <a:t>nga</a:t>
+            </a:r>
+            <a:r>
+              <a:rPr lang="en-US" sz="1500" b="1" dirty="0">
+                <a:solidFill>
+                  <a:srgbClr val="503C00"/>
+                </a:solidFill>
+              </a:rPr>
+              <a:t> Larry Page </a:t>
+            </a:r>
+            <a:r>
+              <a:rPr lang="en-US" sz="1500" b="1" dirty="0" err="1">
+                <a:solidFill>
+                  <a:srgbClr val="503C00"/>
+                </a:solidFill>
+              </a:rPr>
+              <a:t>dhe</a:t>
+            </a:r>
+            <a:r>
+              <a:rPr lang="en-US" sz="1500" b="1" dirty="0">
+                <a:solidFill>
+                  <a:srgbClr val="503C00"/>
+                </a:solidFill>
+              </a:rPr>
+              <a:t> Sergey Brin (</a:t>
+            </a:r>
+            <a:r>
+              <a:rPr lang="en-US" sz="1500" b="1" dirty="0" err="1">
+                <a:solidFill>
+                  <a:srgbClr val="503C00"/>
+                </a:solidFill>
+              </a:rPr>
+              <a:t>themeluesit</a:t>
+            </a:r>
+            <a:r>
+              <a:rPr lang="en-US" sz="1500" b="1" dirty="0">
+                <a:solidFill>
+                  <a:srgbClr val="503C00"/>
+                </a:solidFill>
+              </a:rPr>
+              <a:t> e Google, 1998).</a:t>
+            </a:r>
+          </a:p>
+          <a:p>
+            <a:r>
+              <a:rPr lang="en-US" sz="1500" b="1" dirty="0" err="1">
+                <a:solidFill>
+                  <a:srgbClr val="503C00"/>
+                </a:solidFill>
+              </a:rPr>
+              <a:t>Ideja</a:t>
+            </a:r>
+            <a:r>
+              <a:rPr lang="en-US" sz="1500" b="1" dirty="0">
+                <a:solidFill>
+                  <a:srgbClr val="503C00"/>
+                </a:solidFill>
+              </a:rPr>
+              <a:t> </a:t>
+            </a:r>
+            <a:r>
+              <a:rPr lang="en-US" sz="1500" b="1" dirty="0" err="1">
+                <a:solidFill>
+                  <a:srgbClr val="503C00"/>
+                </a:solidFill>
+              </a:rPr>
+              <a:t>themelore</a:t>
+            </a:r>
+            <a:r>
+              <a:rPr lang="en-US" sz="1500" b="1" dirty="0">
+                <a:solidFill>
+                  <a:srgbClr val="503C00"/>
+                </a:solidFill>
+              </a:rPr>
+              <a:t>: </a:t>
+            </a:r>
+            <a:r>
+              <a:rPr lang="en-US" sz="1500" b="1" dirty="0" err="1">
+                <a:solidFill>
+                  <a:srgbClr val="503C00"/>
+                </a:solidFill>
+              </a:rPr>
+              <a:t>Një</a:t>
+            </a:r>
+            <a:r>
+              <a:rPr lang="en-US" sz="1500" b="1" dirty="0">
+                <a:solidFill>
+                  <a:srgbClr val="503C00"/>
+                </a:solidFill>
+              </a:rPr>
+              <a:t> </a:t>
+            </a:r>
+            <a:r>
+              <a:rPr lang="en-US" sz="1500" b="1" dirty="0" err="1">
+                <a:solidFill>
+                  <a:srgbClr val="503C00"/>
+                </a:solidFill>
+              </a:rPr>
+              <a:t>faqe</a:t>
+            </a:r>
+            <a:r>
+              <a:rPr lang="en-US" sz="1500" b="1" dirty="0">
+                <a:solidFill>
+                  <a:srgbClr val="503C00"/>
+                </a:solidFill>
+              </a:rPr>
+              <a:t> </a:t>
+            </a:r>
+            <a:r>
+              <a:rPr lang="en-US" sz="1500" b="1" dirty="0" err="1">
+                <a:solidFill>
+                  <a:srgbClr val="503C00"/>
+                </a:solidFill>
+              </a:rPr>
+              <a:t>është</a:t>
+            </a:r>
+            <a:r>
+              <a:rPr lang="en-US" sz="1500" b="1" dirty="0">
+                <a:solidFill>
+                  <a:srgbClr val="503C00"/>
+                </a:solidFill>
+              </a:rPr>
+              <a:t> e </a:t>
+            </a:r>
+            <a:r>
+              <a:rPr lang="en-US" sz="1500" b="1" dirty="0" err="1">
+                <a:solidFill>
+                  <a:srgbClr val="503C00"/>
+                </a:solidFill>
+              </a:rPr>
+              <a:t>rëndësishme</a:t>
+            </a:r>
+            <a:r>
+              <a:rPr lang="en-US" sz="1500" b="1" dirty="0">
+                <a:solidFill>
+                  <a:srgbClr val="503C00"/>
+                </a:solidFill>
+              </a:rPr>
+              <a:t> </a:t>
+            </a:r>
+            <a:r>
+              <a:rPr lang="en-US" sz="1500" b="1" dirty="0" err="1">
+                <a:solidFill>
+                  <a:srgbClr val="503C00"/>
+                </a:solidFill>
+              </a:rPr>
+              <a:t>nëse</a:t>
+            </a:r>
+            <a:r>
+              <a:rPr lang="en-US" sz="1500" b="1" dirty="0">
+                <a:solidFill>
+                  <a:srgbClr val="503C00"/>
+                </a:solidFill>
+              </a:rPr>
+              <a:t> </a:t>
+            </a:r>
+            <a:r>
+              <a:rPr lang="en-US" sz="1500" b="1" dirty="0" err="1">
+                <a:solidFill>
+                  <a:srgbClr val="503C00"/>
+                </a:solidFill>
+              </a:rPr>
+              <a:t>faqe</a:t>
+            </a:r>
+            <a:r>
+              <a:rPr lang="en-US" sz="1500" b="1" dirty="0">
+                <a:solidFill>
+                  <a:srgbClr val="503C00"/>
+                </a:solidFill>
+              </a:rPr>
+              <a:t> </a:t>
+            </a:r>
+            <a:r>
+              <a:rPr lang="en-US" sz="1500" b="1" dirty="0" err="1">
+                <a:solidFill>
+                  <a:srgbClr val="503C00"/>
+                </a:solidFill>
+              </a:rPr>
+              <a:t>të</a:t>
+            </a:r>
+            <a:r>
+              <a:rPr lang="en-US" sz="1500" b="1" dirty="0">
+                <a:solidFill>
+                  <a:srgbClr val="503C00"/>
+                </a:solidFill>
+              </a:rPr>
+              <a:t> </a:t>
+            </a:r>
+            <a:r>
+              <a:rPr lang="en-US" sz="1500" b="1" dirty="0" err="1">
+                <a:solidFill>
+                  <a:srgbClr val="503C00"/>
+                </a:solidFill>
+              </a:rPr>
+              <a:t>rëndësishme</a:t>
+            </a:r>
+            <a:r>
+              <a:rPr lang="en-US" sz="1500" b="1" dirty="0">
+                <a:solidFill>
+                  <a:srgbClr val="503C00"/>
+                </a:solidFill>
+              </a:rPr>
+              <a:t> </a:t>
+            </a:r>
+            <a:r>
+              <a:rPr lang="en-US" sz="1500" b="1" dirty="0" err="1">
+                <a:solidFill>
+                  <a:srgbClr val="503C00"/>
+                </a:solidFill>
+              </a:rPr>
+              <a:t>lidhen</a:t>
+            </a:r>
+            <a:r>
+              <a:rPr lang="en-US" sz="1500" b="1" dirty="0">
+                <a:solidFill>
+                  <a:srgbClr val="503C00"/>
+                </a:solidFill>
+              </a:rPr>
+              <a:t> me </a:t>
+            </a:r>
+            <a:r>
+              <a:rPr lang="en-US" sz="1500" b="1" dirty="0" err="1">
+                <a:solidFill>
+                  <a:srgbClr val="503C00"/>
+                </a:solidFill>
+              </a:rPr>
+              <a:t>të</a:t>
+            </a:r>
+            <a:r>
+              <a:rPr lang="en-US" sz="1500" b="1" dirty="0">
+                <a:solidFill>
+                  <a:srgbClr val="503C00"/>
+                </a:solidFill>
+              </a:rPr>
+              <a:t>!</a:t>
             </a:r>
           </a:p>
         </p:txBody>
@@ -10438,12 +11247,12 @@
           <a:lstStyle/>
           <a:p>
             <a:r>
-              <a:rPr lang="en-US" sz="1600" b="1">
+              <a:rPr lang="en-US" sz="1600" b="1" dirty="0">
                 <a:solidFill>
                   <a:srgbClr val="003C78"/>
                 </a:solidFill>
               </a:rPr>
-              <a:t>ðŸŒ MODELI RANDOM SURFER:</a:t>
+              <a:t>MODELI RANDOM SURFER:</a:t>
             </a:r>
           </a:p>
         </p:txBody>
@@ -10613,43 +11422,245 @@
           <a:lstStyle/>
           <a:p>
             <a:r>
-              <a:rPr lang="en-US" sz="1300">
+              <a:rPr lang="en-US" sz="1300" dirty="0">
                 <a:solidFill>
                   <a:srgbClr val="142850"/>
                 </a:solidFill>
               </a:rPr>
-              <a:t>ðŸ“ Me probabilitet d = 0.85:</a:t>
-            </a:r>
-          </a:p>
-          <a:p>
-            <a:r>
-              <a:rPr lang="en-US" sz="1300">
+              <a:t>Me </a:t>
+            </a:r>
+            <a:r>
+              <a:rPr lang="en-US" sz="1300" dirty="0" err="1">
                 <a:solidFill>
                   <a:srgbClr val="142850"/>
                 </a:solidFill>
               </a:rPr>
-              <a:t>   Klikon njÃ« lidhje tÃ« rastÃ«sishme</a:t>
-            </a:r>
-          </a:p>
-          <a:p>
-            <a:r>
-              <a:rPr lang="en-US" sz="1300">
+              <a:t>probabilitet</a:t>
+            </a:r>
+            <a:r>
+              <a:rPr lang="en-US" sz="1300" dirty="0">
                 <a:solidFill>
                   <a:srgbClr val="142850"/>
                 </a:solidFill>
               </a:rPr>
-              <a:t>ðŸ“ Me probabilitet 1-d = 0.15:</a:t>
-            </a:r>
-          </a:p>
-          <a:p>
-            <a:r>
-              <a:rPr lang="en-US" sz="1300">
+              <a:t> d = 0.85:</a:t>
+            </a:r>
+          </a:p>
+          <a:p>
+            <a:r>
+              <a:rPr lang="en-US" sz="1300" dirty="0">
                 <a:solidFill>
                   <a:srgbClr val="142850"/>
                 </a:solidFill>
               </a:rPr>
-              <a:t>   Kalon nÃ« faqe krejtÃ«sisht tÃ« rastÃ«sishme</a:t>
-            </a:r>
+              <a:t>   </a:t>
+            </a:r>
+            <a:r>
+              <a:rPr lang="en-US" sz="1300" dirty="0" err="1">
+                <a:solidFill>
+                  <a:srgbClr val="142850"/>
+                </a:solidFill>
+              </a:rPr>
+              <a:t>Klikon</a:t>
+            </a:r>
+            <a:r>
+              <a:rPr lang="en-US" sz="1300" dirty="0">
+                <a:solidFill>
+                  <a:srgbClr val="142850"/>
+                </a:solidFill>
+              </a:rPr>
+              <a:t> </a:t>
+            </a:r>
+            <a:r>
+              <a:rPr lang="en-US" sz="1300" dirty="0" err="1">
+                <a:solidFill>
+                  <a:srgbClr val="142850"/>
+                </a:solidFill>
+              </a:rPr>
+              <a:t>një</a:t>
+            </a:r>
+            <a:r>
+              <a:rPr lang="en-US" sz="1300" dirty="0">
+                <a:solidFill>
+                  <a:srgbClr val="142850"/>
+                </a:solidFill>
+              </a:rPr>
+              <a:t> </a:t>
+            </a:r>
+            <a:r>
+              <a:rPr lang="en-US" sz="1300" dirty="0" err="1">
+                <a:solidFill>
+                  <a:srgbClr val="142850"/>
+                </a:solidFill>
+              </a:rPr>
+              <a:t>lidhje</a:t>
+            </a:r>
+            <a:r>
+              <a:rPr lang="en-US" sz="1300" dirty="0">
+                <a:solidFill>
+                  <a:srgbClr val="142850"/>
+                </a:solidFill>
+              </a:rPr>
+              <a:t> </a:t>
+            </a:r>
+            <a:r>
+              <a:rPr lang="en-US" sz="1300" dirty="0" err="1">
+                <a:solidFill>
+                  <a:srgbClr val="142850"/>
+                </a:solidFill>
+              </a:rPr>
+              <a:t>të</a:t>
+            </a:r>
+            <a:r>
+              <a:rPr lang="en-US" sz="1300" dirty="0">
+                <a:solidFill>
+                  <a:srgbClr val="142850"/>
+                </a:solidFill>
+              </a:rPr>
+              <a:t> </a:t>
+            </a:r>
+            <a:r>
+              <a:rPr lang="en-US" sz="1300" dirty="0" err="1">
+                <a:solidFill>
+                  <a:srgbClr val="142850"/>
+                </a:solidFill>
+              </a:rPr>
+              <a:t>rastësishme</a:t>
+            </a:r>
+            <a:endParaRPr lang="en-US" sz="1300" dirty="0">
+              <a:solidFill>
+                <a:srgbClr val="142850"/>
+              </a:solidFill>
+            </a:endParaRPr>
+          </a:p>
+          <a:p>
+            <a:r>
+              <a:rPr lang="en-US" sz="1300" dirty="0">
+                <a:solidFill>
+                  <a:srgbClr val="142850"/>
+                </a:solidFill>
+              </a:rPr>
+              <a:t>Me </a:t>
+            </a:r>
+            <a:r>
+              <a:rPr lang="en-US" sz="1300" dirty="0" err="1">
+                <a:solidFill>
+                  <a:srgbClr val="142850"/>
+                </a:solidFill>
+              </a:rPr>
+              <a:t>probabilitet</a:t>
+            </a:r>
+            <a:r>
+              <a:rPr lang="en-US" sz="1300" dirty="0">
+                <a:solidFill>
+                  <a:srgbClr val="142850"/>
+                </a:solidFill>
+              </a:rPr>
+              <a:t> 1-d = 0.15:</a:t>
+            </a:r>
+          </a:p>
+          <a:p>
+            <a:r>
+              <a:rPr lang="en-US" sz="1300" dirty="0">
+                <a:solidFill>
+                  <a:srgbClr val="142850"/>
+                </a:solidFill>
+              </a:rPr>
+              <a:t>   </a:t>
+            </a:r>
+            <a:r>
+              <a:rPr lang="en-US" sz="1300" dirty="0" err="1">
+                <a:solidFill>
+                  <a:srgbClr val="142850"/>
+                </a:solidFill>
+              </a:rPr>
+              <a:t>Kalon</a:t>
+            </a:r>
+            <a:r>
+              <a:rPr lang="en-US" sz="1300" dirty="0">
+                <a:solidFill>
+                  <a:srgbClr val="142850"/>
+                </a:solidFill>
+              </a:rPr>
+              <a:t> </a:t>
+            </a:r>
+            <a:r>
+              <a:rPr lang="en-US" sz="1300" dirty="0" err="1">
+                <a:solidFill>
+                  <a:srgbClr val="142850"/>
+                </a:solidFill>
+              </a:rPr>
+              <a:t>në</a:t>
+            </a:r>
+            <a:r>
+              <a:rPr lang="en-US" sz="1300" dirty="0">
+                <a:solidFill>
+                  <a:srgbClr val="142850"/>
+                </a:solidFill>
+              </a:rPr>
+              <a:t> </a:t>
+            </a:r>
+            <a:r>
+              <a:rPr lang="en-US" sz="1300" dirty="0" err="1">
+                <a:solidFill>
+                  <a:srgbClr val="142850"/>
+                </a:solidFill>
+              </a:rPr>
+              <a:t>faqe</a:t>
+            </a:r>
+            <a:r>
+              <a:rPr lang="en-US" sz="1300" dirty="0">
+                <a:solidFill>
+                  <a:srgbClr val="142850"/>
+                </a:solidFill>
+              </a:rPr>
+              <a:t> </a:t>
+            </a:r>
+            <a:r>
+              <a:rPr lang="en-US" sz="1300" dirty="0" err="1">
+                <a:solidFill>
+                  <a:srgbClr val="142850"/>
+                </a:solidFill>
+              </a:rPr>
+              <a:t>krejtësisht</a:t>
+            </a:r>
+            <a:r>
+              <a:rPr lang="en-US" sz="1300" dirty="0">
+                <a:solidFill>
+                  <a:srgbClr val="142850"/>
+                </a:solidFill>
+              </a:rPr>
+              <a:t> </a:t>
+            </a:r>
+            <a:r>
+              <a:rPr lang="en-US" sz="1300" dirty="0" err="1">
+                <a:solidFill>
+                  <a:srgbClr val="142850"/>
+                </a:solidFill>
+              </a:rPr>
+              <a:t>të</a:t>
+            </a:r>
+            <a:r>
+              <a:rPr lang="en-US" sz="1300" dirty="0">
+                <a:solidFill>
+                  <a:srgbClr val="142850"/>
+                </a:solidFill>
+              </a:rPr>
+              <a:t> </a:t>
+            </a:r>
+            <a:r>
+              <a:rPr lang="en-US" sz="1300" dirty="0" err="1">
+                <a:solidFill>
+                  <a:srgbClr val="142850"/>
+                </a:solidFill>
+              </a:rPr>
+              <a:t>rastësishme</a:t>
+            </a:r>
+            <a:endParaRPr lang="en-US" sz="1300" dirty="0">
+              <a:solidFill>
+                <a:srgbClr val="142850"/>
+              </a:solidFill>
+            </a:endParaRPr>
           </a:p>
         </p:txBody>
       </p:sp>
@@ -10736,12 +11747,30 @@
           <a:lstStyle/>
           <a:p>
             <a:r>
+              <a:rPr lang="en-US" sz="1300" dirty="0">
+                <a:solidFill>
+                  <a:srgbClr val="005000"/>
+                </a:solidFill>
+              </a:rPr>
+              <a:t>- NJOHURITË KRYESORE:</a:t>
+            </a:r>
+          </a:p>
+          <a:p>
+            <a:r>
+              <a:rPr lang="en-US" sz="1300" dirty="0">
+                <a:solidFill>
+                  <a:srgbClr val="005000"/>
+                </a:solidFill>
+              </a:rPr>
+              <a:t>1. </a:t>
+            </a:r>
+            <a:r>
               <a:rPr lang="en-US" sz="1300" dirty="0" err="1">
                 <a:solidFill>
                   <a:srgbClr val="005000"/>
                 </a:solidFill>
               </a:rPr>
-              <a:t>ðŸ</a:t>
+              <a:t>Faqet</a:t>
             </a:r>
             <a:r>
               <a:rPr lang="en-US" sz="1300" dirty="0">
@@ -10749,17 +11778,23 @@
                   <a:srgbClr val="005000"/>
                 </a:solidFill>
               </a:rPr>
-              <a:t>”‘ NJOHURITÃ‹ KRYESORE:</a:t>
-            </a:r>
-          </a:p>
-          <a:p>
+              <a:t> e </a:t>
+            </a:r>
+            <a:r>
+              <a:rPr lang="en-US" sz="1300" dirty="0" err="1">
+                <a:solidFill>
+                  <a:srgbClr val="005000"/>
+                </a:solidFill>
+              </a:rPr>
+              <a:t>rëndësishme</a:t>
+            </a:r>
             <a:r>
               <a:rPr lang="en-US" sz="1300" dirty="0">
                 <a:solidFill>
                   <a:srgbClr val="005000"/>
                 </a:solidFill>
               </a:rPr>
-              <a:t>1ï¸</a:t>
+              <a:t> </a:t>
             </a:r>
             <a:r>
               <a:rPr lang="en-US" sz="1300" dirty="0" err="1">
@@ -10767,7 +11802,7 @@
                   <a:srgbClr val="005000"/>
                 </a:solidFill>
               </a:rPr>
-              <a:t>âƒ</a:t>
+              <a:t>kanë</a:t>
             </a:r>
             <a:r>
               <a:rPr lang="en-US" sz="1300" dirty="0">
@@ -10775,7 +11810,7 @@
                   <a:srgbClr val="005000"/>
                 </a:solidFill>
               </a:rPr>
-              <a:t>£ </a:t>
+              <a:t> </a:t>
             </a:r>
             <a:r>
               <a:rPr lang="en-US" sz="1300" dirty="0" err="1">
@@ -10783,108 +11818,8 @@
                   <a:srgbClr val="005000"/>
                 </a:solidFill>
               </a:rPr>
-              <a:t>Faqet</a:t>
-            </a:r>
-            <a:r>
-              <a:rPr lang="en-US" sz="1300" dirty="0">
-                <a:solidFill>
-                  <a:srgbClr val="005000"/>
-                </a:solidFill>
-              </a:rPr>
-              <a:t> e </a:t>
-            </a:r>
-            <a:r>
-              <a:rPr lang="en-US" sz="1300" dirty="0" err="1">
-                <a:solidFill>
-                  <a:srgbClr val="005000"/>
-                </a:solidFill>
-              </a:rPr>
-              <a:t>rÃ«ndÃ«sishme</a:t>
-            </a:r>
-            <a:r>
-              <a:rPr lang="en-US" sz="1300" dirty="0">
-                <a:solidFill>
-                  <a:srgbClr val="005000"/>
-                </a:solidFill>
-              </a:rPr>
-              <a:t> </a:t>
-            </a:r>
-            <a:r>
-              <a:rPr lang="en-US" sz="1300" dirty="0" err="1">
-                <a:solidFill>
-                  <a:srgbClr val="005000"/>
-                </a:solidFill>
-              </a:rPr>
-              <a:t>kanÃ</a:t>
-            </a:r>
-            <a:r>
-              <a:rPr lang="en-US" sz="1300" dirty="0">
-                <a:solidFill>
-                  <a:srgbClr val="005000"/>
-                </a:solidFill>
-              </a:rPr>
-              <a:t>« </a:t>
-            </a:r>
-            <a:r>
-              <a:rPr lang="en-US" sz="1300" dirty="0" err="1">
-                <a:solidFill>
-                  <a:srgbClr val="005000"/>
-                </a:solidFill>
-              </a:rPr>
-              <a:t>shumÃ</a:t>
-            </a:r>
-            <a:r>
-              <a:rPr lang="en-US" sz="1300" dirty="0">
-                <a:solidFill>
-                  <a:srgbClr val="005000"/>
-                </a:solidFill>
-              </a:rPr>
-              <a:t>«</a:t>
-            </a:r>
-          </a:p>
-          <a:p>
-            <a:r>
-              <a:rPr lang="en-US" sz="1300" dirty="0">
-                <a:solidFill>
-                  <a:srgbClr val="005000"/>
-                </a:solidFill>
-              </a:rPr>
-              <a:t>   </a:t>
-            </a:r>
-            <a:r>
-              <a:rPr lang="en-US" sz="1300" dirty="0" err="1">
-                <a:solidFill>
-                  <a:srgbClr val="005000"/>
-                </a:solidFill>
-              </a:rPr>
-              <a:t>lidhje</a:t>
-            </a:r>
-            <a:r>
-              <a:rPr lang="en-US" sz="1300" dirty="0">
-                <a:solidFill>
-                  <a:srgbClr val="005000"/>
-                </a:solidFill>
-              </a:rPr>
-              <a:t> </a:t>
-            </a:r>
-            <a:r>
-              <a:rPr lang="en-US" sz="1300" dirty="0" err="1">
-                <a:solidFill>
-                  <a:srgbClr val="005000"/>
-                </a:solidFill>
-              </a:rPr>
-              <a:t>hyrÃ«se</a:t>
-            </a:r>
-            <a:r>
-              <a:rPr lang="en-US" sz="1300" dirty="0">
-                <a:solidFill>
-                  <a:srgbClr val="005000"/>
-                </a:solidFill>
-              </a:rPr>
-              <a:t> (incoming links)</a:t>
-            </a:r>
-          </a:p>
-          <a:p>
+              <a:t>shumë</a:t>
+            </a:r>
             <a:endParaRPr lang="en-US" sz="1300" dirty="0">
               <a:solidFill>
                 <a:srgbClr val="005000"/>
@@ -10898,7 +11833,7 @@
                   <a:srgbClr val="005000"/>
                 </a:solidFill>
               </a:rPr>
-              <a:t>2ï¸</a:t>
+              <a:t>   </a:t>
             </a:r>
             <a:r>
               <a:rPr lang="en-US" sz="1300" dirty="0" err="1">
@@ -10906,7 +11841,7 @@
                   <a:srgbClr val="005000"/>
                 </a:solidFill>
               </a:rPr>
-              <a:t>âƒ</a:t>
+              <a:t>lidhje</a:t>
             </a:r>
             <a:r>
               <a:rPr lang="en-US" sz="1300" dirty="0">
@@ -10914,7 +11849,7 @@
                   <a:srgbClr val="005000"/>
                 </a:solidFill>
               </a:rPr>
-              <a:t>£ </a:t>
+              <a:t> </a:t>
             </a:r>
             <a:r>
               <a:rPr lang="en-US" sz="1300" dirty="0" err="1">
@@ -10922,7 +11857,7 @@
                   <a:srgbClr val="005000"/>
                 </a:solidFill>
               </a:rPr>
-              <a:t>RÃ«ndÃ«sia</a:t>
+              <a:t>hyrëse</a:t>
             </a:r>
             <a:r>
               <a:rPr lang="en-US" sz="1300" dirty="0">
@@ -10930,32 +11865,10 @@
                   <a:srgbClr val="005000"/>
                 </a:solidFill>
               </a:rPr>
-              <a:t> </a:t>
-            </a:r>
-            <a:r>
-              <a:rPr lang="en-US" sz="1300" dirty="0" err="1">
-                <a:solidFill>
-                  <a:srgbClr val="005000"/>
-                </a:solidFill>
-              </a:rPr>
-              <a:t>transferohet</a:t>
-            </a:r>
-            <a:r>
-              <a:rPr lang="en-US" sz="1300" dirty="0">
-                <a:solidFill>
-                  <a:srgbClr val="005000"/>
-                </a:solidFill>
-              </a:rPr>
-              <a:t> </a:t>
-            </a:r>
-            <a:r>
-              <a:rPr lang="en-US" sz="1300" dirty="0" err="1">
-                <a:solidFill>
-                  <a:srgbClr val="005000"/>
-                </a:solidFill>
-              </a:rPr>
-              <a:t>pÃ«rmes</a:t>
-            </a:r>
+              <a:t> (incoming links)</a:t>
+            </a:r>
+          </a:p>
+          <a:p>
             <a:endParaRPr lang="en-US" sz="1300" dirty="0">
               <a:solidFill>
                 <a:srgbClr val="005000"/>
@@ -10969,7 +11882,7 @@
                   <a:srgbClr val="005000"/>
                 </a:solidFill>
               </a:rPr>
-              <a:t>   </a:t>
+              <a:t>2. </a:t>
             </a:r>
             <a:r>
               <a:rPr lang="en-US" sz="1300" dirty="0" err="1">
@@ -10977,7 +11890,39 @@
                   <a:srgbClr val="005000"/>
                 </a:solidFill>
               </a:rPr>
-              <a:t>lidhjeve</a:t>
+              <a:t>Rëndësia</a:t>
+            </a:r>
+            <a:r>
+              <a:rPr lang="en-US" sz="1300" dirty="0">
+                <a:solidFill>
+                  <a:srgbClr val="005000"/>
+                </a:solidFill>
+              </a:rPr>
+              <a:t> </a:t>
+            </a:r>
+            <a:r>
+              <a:rPr lang="en-US" sz="1300" dirty="0" err="1">
+                <a:solidFill>
+                  <a:srgbClr val="005000"/>
+                </a:solidFill>
+              </a:rPr>
+              <a:t>transferohet</a:t>
+            </a:r>
+            <a:r>
+              <a:rPr lang="en-US" sz="1300" dirty="0">
+                <a:solidFill>
+                  <a:srgbClr val="005000"/>
+                </a:solidFill>
+              </a:rPr>
+              <a:t> </a:t>
+            </a:r>
+            <a:r>
+              <a:rPr lang="en-US" sz="1300" dirty="0" err="1">
+                <a:solidFill>
+                  <a:srgbClr val="005000"/>
+                </a:solidFill>
+              </a:rPr>
+              <a:t>përmes</a:t>
             </a:r>
             <a:endParaRPr lang="en-US" sz="1300" dirty="0">
               <a:solidFill>
@@ -10986,6 +11931,22 @@
             </a:endParaRPr>
           </a:p>
           <a:p>
+            <a:r>
+              <a:rPr lang="en-US" sz="1300" dirty="0">
+                <a:solidFill>
+                  <a:srgbClr val="005000"/>
+                </a:solidFill>
+              </a:rPr>
+              <a:t>   </a:t>
+            </a:r>
+            <a:r>
+              <a:rPr lang="en-US" sz="1300" dirty="0" err="1">
+                <a:solidFill>
+                  <a:srgbClr val="005000"/>
+                </a:solidFill>
+              </a:rPr>
+              <a:t>lidhjeve</a:t>
+            </a:r>
             <a:endParaRPr lang="en-US" sz="1300" dirty="0">
               <a:solidFill>
                 <a:srgbClr val="005000"/>
@@ -10993,86 +11954,6 @@
             </a:endParaRPr>
           </a:p>
           <a:p>
-            <a:r>
-              <a:rPr lang="en-US" sz="1300" dirty="0">
-                <a:solidFill>
-                  <a:srgbClr val="005000"/>
-                </a:solidFill>
-              </a:rPr>
-              <a:t>3ï¸</a:t>
-            </a:r>
-            <a:r>
-              <a:rPr lang="en-US" sz="1300" dirty="0" err="1">
-                <a:solidFill>
-                  <a:srgbClr val="005000"/>
-                </a:solidFill>
-              </a:rPr>
-              <a:t>âƒ</a:t>
-            </a:r>
-            <a:r>
-              <a:rPr lang="en-US" sz="1300" dirty="0">
-                <a:solidFill>
-                  <a:srgbClr val="005000"/>
-                </a:solidFill>
-              </a:rPr>
-              <a:t>£ </a:t>
-            </a:r>
-            <a:r>
-              <a:rPr lang="en-US" sz="1300" dirty="0" err="1">
-                <a:solidFill>
-                  <a:srgbClr val="005000"/>
-                </a:solidFill>
-              </a:rPr>
-              <a:t>Lidhja</a:t>
-            </a:r>
-            <a:r>
-              <a:rPr lang="en-US" sz="1300" dirty="0">
-                <a:solidFill>
-                  <a:srgbClr val="005000"/>
-                </a:solidFill>
-              </a:rPr>
-              <a:t> </a:t>
-            </a:r>
-            <a:r>
-              <a:rPr lang="en-US" sz="1300" dirty="0" err="1">
-                <a:solidFill>
-                  <a:srgbClr val="005000"/>
-                </a:solidFill>
-              </a:rPr>
-              <a:t>nga</a:t>
-            </a:r>
-            <a:r>
-              <a:rPr lang="en-US" sz="1300" dirty="0">
-                <a:solidFill>
-                  <a:srgbClr val="005000"/>
-                </a:solidFill>
-              </a:rPr>
-              <a:t> </a:t>
-            </a:r>
-            <a:r>
-              <a:rPr lang="en-US" sz="1300" dirty="0" err="1">
-                <a:solidFill>
-                  <a:srgbClr val="005000"/>
-                </a:solidFill>
-              </a:rPr>
-              <a:t>faqe</a:t>
-            </a:r>
-            <a:r>
-              <a:rPr lang="en-US" sz="1300" dirty="0">
-                <a:solidFill>
-                  <a:srgbClr val="005000"/>
-                </a:solidFill>
-              </a:rPr>
-              <a:t> e </a:t>
-            </a:r>
-            <a:r>
-              <a:rPr lang="en-US" sz="1300" dirty="0" err="1">
-                <a:solidFill>
-                  <a:srgbClr val="005000"/>
-                </a:solidFill>
-              </a:rPr>
-              <a:t>rÃ«ndÃ«sishme</a:t>
-            </a:r>
             <a:endParaRPr lang="en-US" sz="1300" dirty="0">
               <a:solidFill>
                 <a:srgbClr val="005000"/>
@@ -11086,7 +11967,7 @@
                   <a:srgbClr val="005000"/>
                 </a:solidFill>
               </a:rPr>
-              <a:t>   ka </a:t>
+              <a:t>3. </a:t>
             </a:r>
             <a:r>
               <a:rPr lang="en-US" sz="1300" dirty="0" err="1">
@@ -11094,7 +11975,7 @@
                   <a:srgbClr val="005000"/>
                 </a:solidFill>
               </a:rPr>
-              <a:t>mÃ</a:t>
+              <a:t>Lidhja</a:t>
             </a:r>
             <a:r>
               <a:rPr lang="en-US" sz="1300" dirty="0">
@@ -11102,7 +11983,7 @@
                   <a:srgbClr val="005000"/>
                 </a:solidFill>
               </a:rPr>
-              <a:t>« </a:t>
+              <a:t> </a:t>
             </a:r>
             <a:r>
               <a:rPr lang="en-US" sz="1300" dirty="0" err="1">
@@ -11110,7 +11991,7 @@
                   <a:srgbClr val="005000"/>
                 </a:solidFill>
               </a:rPr>
-              <a:t>shumÃ</a:t>
+              <a:t>nga</a:t>
             </a:r>
             <a:r>
               <a:rPr lang="en-US" sz="1300" dirty="0">
@@ -11118,7 +11999,7 @@
                   <a:srgbClr val="005000"/>
                 </a:solidFill>
               </a:rPr>
-              <a:t>« </a:t>
+              <a:t> </a:t>
             </a:r>
             <a:r>
               <a:rPr lang="en-US" sz="1300" dirty="0" err="1">
@@ -11126,7 +12007,7 @@
                   <a:srgbClr val="005000"/>
                 </a:solidFill>
               </a:rPr>
-              <a:t>vlerÃ</a:t>
+              <a:t>faqe</a:t>
             </a:r>
             <a:r>
               <a:rPr lang="en-US" sz="1300" dirty="0">
@@ -11134,10 +12015,16 @@
                   <a:srgbClr val="005000"/>
                 </a:solidFill>
               </a:rPr>
-              <a:t>«</a:t>
-            </a:r>
-          </a:p>
-          <a:p>
+              <a:t> e </a:t>
+            </a:r>
+            <a:r>
+              <a:rPr lang="en-US" sz="1300" dirty="0" err="1">
+                <a:solidFill>
+                  <a:srgbClr val="005000"/>
+                </a:solidFill>
+              </a:rPr>
+              <a:t>rëndësishme</a:t>
+            </a:r>
             <a:endParaRPr lang="en-US" sz="1300" dirty="0">
               <a:solidFill>
                 <a:srgbClr val="005000"/>
@@ -11151,7 +12038,7 @@
                   <a:srgbClr val="005000"/>
                 </a:solidFill>
               </a:rPr>
-              <a:t>4ï¸</a:t>
+              <a:t>   ka </a:t>
             </a:r>
             <a:r>
               <a:rPr lang="en-US" sz="1300" dirty="0" err="1">
@@ -11159,7 +12046,7 @@
                   <a:srgbClr val="005000"/>
                 </a:solidFill>
               </a:rPr>
-              <a:t>âƒ</a:t>
+              <a:t>më</a:t>
             </a:r>
             <a:r>
               <a:rPr lang="en-US" sz="1300" dirty="0">
@@ -11167,7 +12054,7 @@
                   <a:srgbClr val="005000"/>
                 </a:solidFill>
               </a:rPr>
-              <a:t>£ </a:t>
+              <a:t> </a:t>
             </a:r>
             <a:r>
               <a:rPr lang="en-US" sz="1300" dirty="0" err="1">
@@ -11175,7 +12062,7 @@
                   <a:srgbClr val="005000"/>
                 </a:solidFill>
               </a:rPr>
-              <a:t>Algoritmi</a:t>
+              <a:t>shumë</a:t>
             </a:r>
             <a:r>
               <a:rPr lang="en-US" sz="1300" dirty="0">
@@ -11191,39 +12078,7 @@
                   <a:srgbClr val="005000"/>
                 </a:solidFill>
               </a:rPr>
-              <a:t>konvergon</a:t>
-            </a:r>
-            <a:r>
-              <a:rPr lang="en-US" sz="1300" dirty="0">
-                <a:solidFill>
-                  <a:srgbClr val="005000"/>
-                </a:solidFill>
-              </a:rPr>
-              <a:t> </a:t>
-            </a:r>
-            <a:r>
-              <a:rPr lang="en-US" sz="1300" dirty="0" err="1">
-                <a:solidFill>
-                  <a:srgbClr val="005000"/>
-                </a:solidFill>
-              </a:rPr>
-              <a:t>nÃ</a:t>
-            </a:r>
-            <a:r>
-              <a:rPr lang="en-US" sz="1300" dirty="0">
-                <a:solidFill>
-                  <a:srgbClr val="005000"/>
-                </a:solidFill>
-              </a:rPr>
-              <a:t>« </a:t>
-            </a:r>
-            <a:r>
-              <a:rPr lang="en-US" sz="1300" dirty="0" err="1">
-                <a:solidFill>
-                  <a:srgbClr val="005000"/>
-                </a:solidFill>
-              </a:rPr>
-              <a:t>renditje</a:t>
+              <a:t>vlerë</a:t>
             </a:r>
             <a:endParaRPr lang="en-US" sz="1300" dirty="0">
               <a:solidFill>
@@ -11232,12 +12087,90 @@
             </a:endParaRPr>
           </a:p>
           <a:p>
+            <a:endParaRPr lang="en-US" sz="1300" dirty="0">
+              <a:solidFill>
+                <a:srgbClr val="005000"/>
+              </a:solidFill>
+            </a:endParaRPr>
+          </a:p>
+          <a:p>
             <a:r>
               <a:rPr lang="en-US" sz="1300" dirty="0">
                 <a:solidFill>
                   <a:srgbClr val="005000"/>
                 </a:solidFill>
               </a:rPr>
+              <a:t>4. </a:t>
+            </a:r>
+            <a:r>
+              <a:rPr lang="en-US" sz="1300" dirty="0" err="1">
+                <a:solidFill>
+                  <a:srgbClr val="005000"/>
+                </a:solidFill>
+              </a:rPr>
+              <a:t>Algoritmi</a:t>
+            </a:r>
+            <a:r>
+              <a:rPr lang="en-US" sz="1300" dirty="0">
+                <a:solidFill>
+                  <a:srgbClr val="005000"/>
+                </a:solidFill>
+              </a:rPr>
+              <a:t> </a:t>
+            </a:r>
+            <a:r>
+              <a:rPr lang="en-US" sz="1300" dirty="0" err="1">
+                <a:solidFill>
+                  <a:srgbClr val="005000"/>
+                </a:solidFill>
+              </a:rPr>
+              <a:t>konvergon</a:t>
+            </a:r>
+            <a:r>
+              <a:rPr lang="en-US" sz="1300" dirty="0">
+                <a:solidFill>
+                  <a:srgbClr val="005000"/>
+                </a:solidFill>
+              </a:rPr>
+              <a:t> </a:t>
+            </a:r>
+            <a:r>
+              <a:rPr lang="en-US" sz="1300" dirty="0" err="1">
+                <a:solidFill>
+                  <a:srgbClr val="005000"/>
+                </a:solidFill>
+              </a:rPr>
+              <a:t>në</a:t>
+            </a:r>
+            <a:r>
+              <a:rPr lang="en-US" sz="1300" dirty="0">
+                <a:solidFill>
+                  <a:srgbClr val="005000"/>
+                </a:solidFill>
+              </a:rPr>
+              <a:t> </a:t>
+            </a:r>
+            <a:r>
+              <a:rPr lang="en-US" sz="1300" dirty="0" err="1">
+                <a:solidFill>
+                  <a:srgbClr val="005000"/>
+                </a:solidFill>
+              </a:rPr>
+              <a:t>renditje</a:t>
+            </a:r>
+            <a:endParaRPr lang="en-US" sz="1300" dirty="0">
+              <a:solidFill>
+                <a:srgbClr val="005000"/>
+              </a:solidFill>
+            </a:endParaRPr>
+          </a:p>
+          <a:p>
+            <a:r>
+              <a:rPr lang="en-US" sz="1300" dirty="0">
+                <a:solidFill>
+                  <a:srgbClr val="005000"/>
+                </a:solidFill>
+              </a:rPr>
               <a:t>   </a:t>
             </a:r>
             <a:r>
@@ -11246,7 +12179,7 @@
                   <a:srgbClr val="005000"/>
                 </a:solidFill>
               </a:rPr>
-              <a:t>tÃ</a:t>
+              <a:t>të</a:t>
             </a:r>
             <a:r>
               <a:rPr lang="en-US" sz="1300" dirty="0">
@@ -11254,7 +12187,7 @@
                   <a:srgbClr val="005000"/>
                 </a:solidFill>
               </a:rPr>
-              <a:t>« </a:t>
+              <a:t> </a:t>
             </a:r>
             <a:r>
               <a:rPr lang="en-US" sz="1300" dirty="0" err="1">
@@ -11262,7 +12195,7 @@
                   <a:srgbClr val="005000"/>
                 </a:solidFill>
               </a:rPr>
-              <a:t>qÃ«ndrueshme</a:t>
+              <a:t>qëndrueshme</a:t>
             </a:r>
             <a:endParaRPr lang="en-US" sz="1300" dirty="0">
               <a:solidFill>
@@ -11355,33 +12288,267 @@
           <a:lstStyle/>
           <a:p>
             <a:r>
-              <a:rPr lang="en-US" sz="1300">
+              <a:rPr lang="en-US" sz="1300" dirty="0">
                 <a:solidFill>
                   <a:srgbClr val="501428"/>
                 </a:solidFill>
               </a:rPr>
-              <a:t>ðŸŽ¯ APLIKACIONET E PAGERANK:</a:t>
-            </a:r>
-          </a:p>
-          <a:p>
-            <a:r>
-              <a:rPr lang="en-US" sz="1300">
+              <a:t> APLIKACIONET E PAGERANK:</a:t>
+            </a:r>
+          </a:p>
+          <a:p>
+            <a:r>
+              <a:rPr lang="en-US" sz="1300" dirty="0">
                 <a:solidFill>
                   <a:srgbClr val="501428"/>
                 </a:solidFill>
               </a:rPr>
-              <a:t>âœ“ Google Search - renditja e rezultateve    âœ“ Zbulimi i link spam    âœ“ Analiza e rrjeteve sociale</a:t>
-            </a:r>
-          </a:p>
-          <a:p>
-            <a:r>
-              <a:rPr lang="en-US" sz="1300">
+              <a:t> - Google Search - </a:t>
+            </a:r>
+            <a:r>
+              <a:rPr lang="en-US" sz="1300" dirty="0" err="1">
                 <a:solidFill>
                   <a:srgbClr val="501428"/>
                 </a:solidFill>
               </a:rPr>
-              <a:t>âœ“ Sistemet e rekomandimit    âœ“ Analiza e citimeve akademike    âœ“ Analiza e rrjeteve biologjike</a:t>
-            </a:r>
+              <a:t>renditja</a:t>
+            </a:r>
+            <a:r>
+              <a:rPr lang="en-US" sz="1300" dirty="0">
+                <a:solidFill>
+                  <a:srgbClr val="501428"/>
+                </a:solidFill>
+              </a:rPr>
+              <a:t> e </a:t>
+            </a:r>
+            <a:r>
+              <a:rPr lang="en-US" sz="1300" dirty="0" err="1">
+                <a:solidFill>
+                  <a:srgbClr val="501428"/>
+                </a:solidFill>
+              </a:rPr>
+              <a:t>rezultateve</a:t>
+            </a:r>
+            <a:r>
+              <a:rPr lang="en-US" sz="1300" dirty="0">
+                <a:solidFill>
+                  <a:srgbClr val="501428"/>
+                </a:solidFill>
+              </a:rPr>
+              <a:t>    - </a:t>
+            </a:r>
+            <a:r>
+              <a:rPr lang="en-US" sz="1300" dirty="0" err="1">
+                <a:solidFill>
+                  <a:srgbClr val="501428"/>
+                </a:solidFill>
+              </a:rPr>
+              <a:t>Zbulimi</a:t>
+            </a:r>
+            <a:r>
+              <a:rPr lang="en-US" sz="1300" dirty="0">
+                <a:solidFill>
+                  <a:srgbClr val="501428"/>
+                </a:solidFill>
+              </a:rPr>
+              <a:t> </a:t>
+            </a:r>
+            <a:r>
+              <a:rPr lang="en-US" sz="1300" dirty="0" err="1">
+                <a:solidFill>
+                  <a:srgbClr val="501428"/>
+                </a:solidFill>
+              </a:rPr>
+              <a:t>i</a:t>
+            </a:r>
+            <a:r>
+              <a:rPr lang="en-US" sz="1300" dirty="0">
+                <a:solidFill>
+                  <a:srgbClr val="501428"/>
+                </a:solidFill>
+              </a:rPr>
+              <a:t> link spam    - </a:t>
+            </a:r>
+            <a:r>
+              <a:rPr lang="en-US" sz="1300" dirty="0" err="1">
+                <a:solidFill>
+                  <a:srgbClr val="501428"/>
+                </a:solidFill>
+              </a:rPr>
+              <a:t>Analiza</a:t>
+            </a:r>
+            <a:r>
+              <a:rPr lang="en-US" sz="1300" dirty="0">
+                <a:solidFill>
+                  <a:srgbClr val="501428"/>
+                </a:solidFill>
+              </a:rPr>
+              <a:t> e </a:t>
+            </a:r>
+            <a:r>
+              <a:rPr lang="en-US" sz="1300" dirty="0" err="1">
+                <a:solidFill>
+                  <a:srgbClr val="501428"/>
+                </a:solidFill>
+              </a:rPr>
+              <a:t>rrjeteve</a:t>
+            </a:r>
+            <a:r>
+              <a:rPr lang="en-US" sz="1300" dirty="0">
+                <a:solidFill>
+                  <a:srgbClr val="501428"/>
+                </a:solidFill>
+              </a:rPr>
+              <a:t> </a:t>
+            </a:r>
+            <a:r>
+              <a:rPr lang="en-US" sz="1300" dirty="0" err="1">
+                <a:solidFill>
+                  <a:srgbClr val="501428"/>
+                </a:solidFill>
+              </a:rPr>
+              <a:t>sociale</a:t>
+            </a:r>
+            <a:endParaRPr lang="en-US" sz="1300" dirty="0">
+              <a:solidFill>
+                <a:srgbClr val="501428"/>
+              </a:solidFill>
+            </a:endParaRPr>
+          </a:p>
+          <a:p>
+            <a:r>
+              <a:rPr lang="en-US" sz="1300" dirty="0">
+                <a:solidFill>
+                  <a:srgbClr val="501428"/>
+                </a:solidFill>
+              </a:rPr>
+              <a:t> - </a:t>
+            </a:r>
+            <a:r>
+              <a:rPr lang="en-US" sz="1300" dirty="0" err="1">
+                <a:solidFill>
+                  <a:srgbClr val="501428"/>
+                </a:solidFill>
+              </a:rPr>
+              <a:t>Sistemet</a:t>
+            </a:r>
+            <a:r>
+              <a:rPr lang="en-US" sz="1300" dirty="0">
+                <a:solidFill>
+                  <a:srgbClr val="501428"/>
+                </a:solidFill>
+              </a:rPr>
+              <a:t> e </a:t>
+            </a:r>
+            <a:r>
+              <a:rPr lang="en-US" sz="1300" dirty="0" err="1">
+                <a:solidFill>
+                  <a:srgbClr val="501428"/>
+                </a:solidFill>
+              </a:rPr>
+              <a:t>rekomandimit</a:t>
+            </a:r>
+            <a:r>
+              <a:rPr lang="en-US" sz="1300" dirty="0">
+                <a:solidFill>
+                  <a:srgbClr val="501428"/>
+                </a:solidFill>
+              </a:rPr>
+              <a:t>    - </a:t>
+            </a:r>
+            <a:r>
+              <a:rPr lang="en-US" sz="1300" dirty="0" err="1">
+                <a:solidFill>
+                  <a:srgbClr val="501428"/>
+                </a:solidFill>
+              </a:rPr>
+              <a:t>Analiza</a:t>
+            </a:r>
+            <a:r>
+              <a:rPr lang="en-US" sz="1300" dirty="0">
+                <a:solidFill>
+                  <a:srgbClr val="501428"/>
+                </a:solidFill>
+              </a:rPr>
+              <a:t> e </a:t>
+            </a:r>
+            <a:r>
+              <a:rPr lang="en-US" sz="1300" dirty="0" err="1">
+                <a:solidFill>
+                  <a:srgbClr val="501428"/>
+                </a:solidFill>
+              </a:rPr>
+              <a:t>citimeve</a:t>
+            </a:r>
+            <a:r>
+              <a:rPr lang="en-US" sz="1300" dirty="0">
+                <a:solidFill>
+                  <a:srgbClr val="501428"/>
+                </a:solidFill>
+              </a:rPr>
+              <a:t> </a:t>
+            </a:r>
+            <a:r>
+              <a:rPr lang="en-US" sz="1300" dirty="0" err="1">
+                <a:solidFill>
+                  <a:srgbClr val="501428"/>
+                </a:solidFill>
+              </a:rPr>
+              <a:t>akademike</a:t>
+            </a:r>
+            <a:r>
+              <a:rPr lang="en-US" sz="1300" dirty="0">
+                <a:solidFill>
+                  <a:srgbClr val="501428"/>
+                </a:solidFill>
+              </a:rPr>
+              <a:t>    - </a:t>
+            </a:r>
+            <a:r>
+              <a:rPr lang="en-US" sz="1300" dirty="0" err="1">
+                <a:solidFill>
+                  <a:srgbClr val="501428"/>
+                </a:solidFill>
+              </a:rPr>
+              <a:t>Analiza</a:t>
+            </a:r>
+            <a:r>
+              <a:rPr lang="en-US" sz="1300" dirty="0">
+                <a:solidFill>
+                  <a:srgbClr val="501428"/>
+                </a:solidFill>
+              </a:rPr>
+              <a:t> e </a:t>
+            </a:r>
+            <a:r>
+              <a:rPr lang="en-US" sz="1300" dirty="0" err="1">
+                <a:solidFill>
+                  <a:srgbClr val="501428"/>
+                </a:solidFill>
+              </a:rPr>
+              <a:t>rrjeteve</a:t>
+            </a:r>
+            <a:r>
+              <a:rPr lang="en-US" sz="1300" dirty="0">
+                <a:solidFill>
+                  <a:srgbClr val="501428"/>
+                </a:solidFill>
+              </a:rPr>
+              <a:t> </a:t>
+            </a:r>
+            <a:r>
+              <a:rPr lang="en-US" sz="1300" dirty="0" err="1">
+                <a:solidFill>
+                  <a:srgbClr val="501428"/>
+                </a:solidFill>
+              </a:rPr>
+              <a:t>biologjike</a:t>
+            </a:r>
+            <a:endParaRPr lang="en-US" sz="1300" dirty="0">
+              <a:solidFill>
+                <a:srgbClr val="501428"/>
+              </a:solidFill>
+            </a:endParaRPr>
           </a:p>
         </p:txBody>
       </p:sp>
@@ -11650,7 +12817,7 @@
                 </a:solidFill>
                 <a:latin typeface="Cambria Math" panose="02040503050406030204" pitchFamily="18" charset="0"/>
               </a:rPr>
-              <a:t>ku   i = 1...n   (tÃ« gjitha faqet qÃ« lidhen me A)</a:t>
+              <a:t>ku   i = 1...n   (të gjitha faqet që lidhen me A)</a:t>
             </a:r>
             <a:endParaRPr lang="en-US" sz="2800" b="1" dirty="0">
               <a:solidFill>
@@ -11967,12 +13134,84 @@
           <a:lstStyle/>
           <a:p>
             <a:r>
-              <a:rPr lang="en-US" sz="1400" b="1">
+              <a:rPr lang="en-US" sz="1400" b="1" dirty="0" err="1">
                 <a:solidFill>
                   <a:srgbClr val="005028"/>
                 </a:solidFill>
               </a:rPr>
-              <a:t>Ti = faqet qÃ« lidhen me faqen A</a:t>
+              <a:t>Ti</a:t>
+            </a:r>
+            <a:r>
+              <a:rPr lang="en-US" sz="1400" b="1" dirty="0">
+                <a:solidFill>
+                  <a:srgbClr val="005028"/>
+                </a:solidFill>
+              </a:rPr>
+              <a:t> = </a:t>
+            </a:r>
+            <a:r>
+              <a:rPr lang="en-US" sz="1400" b="1" dirty="0" err="1">
+                <a:solidFill>
+                  <a:srgbClr val="005028"/>
+                </a:solidFill>
+              </a:rPr>
+              <a:t>faqet</a:t>
+            </a:r>
+            <a:r>
+              <a:rPr lang="en-US" sz="1400" b="1" dirty="0">
+                <a:solidFill>
+                  <a:srgbClr val="005028"/>
+                </a:solidFill>
+              </a:rPr>
+              <a:t> </a:t>
+            </a:r>
+            <a:r>
+              <a:rPr lang="en-US" sz="1400" b="1" dirty="0" err="1">
+                <a:solidFill>
+                  <a:srgbClr val="005028"/>
+                </a:solidFill>
+              </a:rPr>
+              <a:t>që</a:t>
+            </a:r>
+            <a:r>
+              <a:rPr lang="en-US" sz="1400" b="1" dirty="0">
+                <a:solidFill>
+                  <a:srgbClr val="005028"/>
+                </a:solidFill>
+              </a:rPr>
+              <a:t> </a:t>
+            </a:r>
+            <a:r>
+              <a:rPr lang="en-US" sz="1400" b="1" dirty="0" err="1">
+                <a:solidFill>
+                  <a:srgbClr val="005028"/>
+                </a:solidFill>
+              </a:rPr>
+              <a:t>lidhen</a:t>
+            </a:r>
+            <a:r>
+              <a:rPr lang="en-US" sz="1400" b="1" dirty="0">
+                <a:solidFill>
+                  <a:srgbClr val="005028"/>
+                </a:solidFill>
+              </a:rPr>
+              <a:t> me </a:t>
+            </a:r>
+            <a:r>
+              <a:rPr lang="en-US" sz="1400" b="1" dirty="0" err="1">
+                <a:solidFill>
+                  <a:srgbClr val="005028"/>
+                </a:solidFill>
+              </a:rPr>
+              <a:t>faqen</a:t>
+            </a:r>
+            <a:r>
+              <a:rPr lang="en-US" sz="1400" b="1" dirty="0">
+                <a:solidFill>
+                  <a:srgbClr val="005028"/>
+                </a:solidFill>
+              </a:rPr>
+              <a:t> A</a:t>
             </a:r>
           </a:p>
         </p:txBody>
@@ -12158,12 +13397,12 @@
           <a:lstStyle/>
           <a:p>
             <a:r>
-              <a:rPr lang="en-US" sz="1600" b="1">
+              <a:rPr lang="en-US" sz="1600" b="1" dirty="0">
                 <a:solidFill>
                   <a:srgbClr val="4B0082"/>
                 </a:solidFill>
               </a:rPr>
-              <a:t>ðŸ“Š INTERPRETIMI:</a:t>
+              <a:t>INTERPRETIMI:</a:t>
             </a:r>
           </a:p>
         </p:txBody>
@@ -12560,22 +13799,171 @@
           <a:lstStyle/>
           <a:p>
             <a:r>
-              <a:rPr lang="en-US" sz="1200" i="1">
+              <a:rPr lang="en-US" sz="1200" i="1" dirty="0" err="1">
                 <a:solidFill>
                   <a:srgbClr val="3C0050"/>
                 </a:solidFill>
               </a:rPr>
-              <a:t>Ã‡do lidhje transferon njÃ« pjesÃ« tÃ«</a:t>
-            </a:r>
-          </a:p>
-          <a:p>
-            <a:r>
-              <a:rPr lang="en-US" sz="1200" i="1">
+              <a:t>Ã‡do</a:t>
+            </a:r>
+            <a:r>
+              <a:rPr lang="en-US" sz="1200" i="1" dirty="0">
                 <a:solidFill>
                   <a:srgbClr val="3C0050"/>
                 </a:solidFill>
               </a:rPr>
-              <a:t>PageRank-ut tÃ« faqes burimore!</a:t>
+              <a:t> </a:t>
+            </a:r>
+            <a:r>
+              <a:rPr lang="en-US" sz="1200" i="1" dirty="0" err="1">
+                <a:solidFill>
+                  <a:srgbClr val="3C0050"/>
+                </a:solidFill>
+              </a:rPr>
+              <a:t>lidhje</a:t>
+            </a:r>
+            <a:r>
+              <a:rPr lang="en-US" sz="1200" i="1" dirty="0">
+                <a:solidFill>
+                  <a:srgbClr val="3C0050"/>
+                </a:solidFill>
+              </a:rPr>
+              <a:t> </a:t>
+            </a:r>
+            <a:r>
+              <a:rPr lang="en-US" sz="1200" i="1" dirty="0" err="1">
+                <a:solidFill>
+                  <a:srgbClr val="3C0050"/>
+                </a:solidFill>
+              </a:rPr>
+              <a:t>transferon</a:t>
+            </a:r>
+            <a:r>
+              <a:rPr lang="en-US" sz="1200" i="1" dirty="0">
+                <a:solidFill>
+                  <a:srgbClr val="3C0050"/>
+                </a:solidFill>
+              </a:rPr>
+              <a:t> </a:t>
+            </a:r>
+            <a:r>
+              <a:rPr lang="en-US" sz="1200" i="1" dirty="0" err="1">
+                <a:solidFill>
+                  <a:srgbClr val="3C0050"/>
+                </a:solidFill>
+              </a:rPr>
+              <a:t>një</a:t>
+            </a:r>
+            <a:r>
+              <a:rPr lang="en-US" sz="1200" i="1" dirty="0">
+                <a:solidFill>
+                  <a:srgbClr val="3C0050"/>
+                </a:solidFill>
+              </a:rPr>
+              <a:t> </a:t>
+            </a:r>
+            <a:r>
+              <a:rPr lang="en-US" sz="1200" i="1" dirty="0" err="1">
+                <a:solidFill>
+                  <a:srgbClr val="3C0050"/>
+                </a:solidFill>
+              </a:rPr>
+              <a:t>pjesë</a:t>
+            </a:r>
+            <a:r>
+              <a:rPr lang="en-US" sz="1200" i="1" dirty="0">
+                <a:solidFill>
+                  <a:srgbClr val="3C0050"/>
+                </a:solidFill>
+              </a:rPr>
+              <a:t> </a:t>
+            </a:r>
+            <a:r>
+              <a:rPr lang="en-US" sz="1200" i="1" dirty="0" err="1">
+                <a:solidFill>
+                  <a:srgbClr val="3C0050"/>
+                </a:solidFill>
+              </a:rPr>
+              <a:t>të</a:t>
+            </a:r>
+            <a:endParaRPr lang="en-US" sz="1200" i="1" dirty="0">
+              <a:solidFill>
+                <a:srgbClr val="3C0050"/>
+              </a:solidFill>
+            </a:endParaRPr>
+          </a:p>
+          <a:p>
+            <a:r>
+              <a:rPr lang="en-US" sz="1200" i="1" dirty="0">
+                <a:solidFill>
+                  <a:srgbClr val="3C0050"/>
+                </a:solidFill>
+              </a:rPr>
+              <a:t>PageRank-</a:t>
+            </a:r>
+            <a:r>
+              <a:rPr lang="en-US" sz="1200" i="1" dirty="0" err="1">
+                <a:solidFill>
+                  <a:srgbClr val="3C0050"/>
+                </a:solidFill>
+              </a:rPr>
+              <a:t>ut</a:t>
+            </a:r>
+            <a:r>
+              <a:rPr lang="en-US" sz="1200" i="1" dirty="0">
+                <a:solidFill>
+                  <a:srgbClr val="3C0050"/>
+                </a:solidFill>
+              </a:rPr>
+              <a:t> </a:t>
+            </a:r>
+            <a:r>
+              <a:rPr lang="en-US" sz="1200" i="1" dirty="0" err="1">
+                <a:solidFill>
+                  <a:srgbClr val="3C0050"/>
+                </a:solidFill>
+              </a:rPr>
+              <a:t>të</a:t>
+            </a:r>
+            <a:r>
+              <a:rPr lang="en-US" sz="1200" i="1" dirty="0">
+                <a:solidFill>
+                  <a:srgbClr val="3C0050"/>
+                </a:solidFill>
+              </a:rPr>
+              <a:t> </a:t>
+            </a:r>
+            <a:r>
+              <a:rPr lang="en-US" sz="1200" i="1" dirty="0" err="1">
+                <a:solidFill>
+                  <a:srgbClr val="3C0050"/>
+                </a:solidFill>
+              </a:rPr>
+              <a:t>faqes</a:t>
+            </a:r>
+            <a:r>
+              <a:rPr lang="en-US" sz="1200" i="1" dirty="0">
+                <a:solidFill>
+                  <a:srgbClr val="3C0050"/>
+                </a:solidFill>
+              </a:rPr>
+              <a:t> </a:t>
+            </a:r>
+            <a:r>
+              <a:rPr lang="en-US" sz="1200" i="1" dirty="0" err="1">
+                <a:solidFill>
+                  <a:srgbClr val="3C0050"/>
+                </a:solidFill>
+              </a:rPr>
+              <a:t>burimore</a:t>
+            </a:r>
+            <a:r>
+              <a:rPr lang="en-US" sz="1200" i="1" dirty="0">
+                <a:solidFill>
+                  <a:srgbClr val="3C0050"/>
+                </a:solidFill>
+              </a:rPr>
+              <a:t>!</a:t>
             </a:r>
           </a:p>
         </p:txBody>
@@ -12663,12 +14051,20 @@
           <a:lstStyle/>
           <a:p>
             <a:r>
+              <a:rPr lang="en-US" sz="1300" b="1" dirty="0">
+                <a:solidFill>
+                  <a:srgbClr val="644600"/>
+                </a:solidFill>
+              </a:rPr>
+              <a:t>KONVERGJENCA: </a:t>
+            </a:r>
+            <a:r>
               <a:rPr lang="en-US" sz="1300" b="1" dirty="0" err="1">
                 <a:solidFill>
                   <a:srgbClr val="644600"/>
                 </a:solidFill>
               </a:rPr>
-              <a:t>âš</a:t>
+              <a:t>Algoritmi</a:t>
             </a:r>
             <a:r>
               <a:rPr lang="en-US" sz="1300" b="1" dirty="0">
@@ -12676,7 +14072,7 @@
                   <a:srgbClr val="644600"/>
                 </a:solidFill>
               </a:rPr>
-              <a:t>¡ KONVERGJENCA: </a:t>
+              <a:t> </a:t>
             </a:r>
             <a:r>
               <a:rPr lang="en-US" sz="1300" b="1" dirty="0" err="1">
@@ -12684,7 +14080,7 @@
                   <a:srgbClr val="644600"/>
                 </a:solidFill>
               </a:rPr>
-              <a:t>Algoritmi</a:t>
+              <a:t>përsëritet</a:t>
             </a:r>
             <a:r>
               <a:rPr lang="en-US" sz="1300" b="1" dirty="0">
@@ -12700,7 +14096,7 @@
                   <a:srgbClr val="644600"/>
                 </a:solidFill>
               </a:rPr>
-              <a:t>pÃ«rsÃ«ritet</a:t>
+              <a:t>derisa</a:t>
             </a:r>
             <a:r>
               <a:rPr lang="en-US" sz="1300" b="1" dirty="0">
@@ -12708,6 +14104,64 @@
                   <a:srgbClr val="644600"/>
                 </a:solidFill>
               </a:rPr>
+              <a:t> ||PR(t+1) - PR(t)|| &lt; Îµ</a:t>
+            </a:r>
+          </a:p>
+          <a:p>
+            <a:r>
+              <a:rPr lang="en-US" sz="1300" b="1" dirty="0">
+                <a:solidFill>
+                  <a:srgbClr val="644600"/>
+                </a:solidFill>
+              </a:rPr>
+              <a:t>   </a:t>
+            </a:r>
+            <a:r>
+              <a:rPr lang="en-US" sz="1300" b="1" dirty="0" err="1">
+                <a:solidFill>
+                  <a:srgbClr val="644600"/>
+                </a:solidFill>
+              </a:rPr>
+              <a:t>Zakonisht</a:t>
+            </a:r>
+            <a:r>
+              <a:rPr lang="en-US" sz="1300" b="1" dirty="0">
+                <a:solidFill>
+                  <a:srgbClr val="644600"/>
+                </a:solidFill>
+              </a:rPr>
+              <a:t> Îµ = 0.000001 (</a:t>
+            </a:r>
+            <a:r>
+              <a:rPr lang="en-US" sz="1300" b="1" dirty="0" err="1">
+                <a:solidFill>
+                  <a:srgbClr val="644600"/>
+                </a:solidFill>
+              </a:rPr>
+              <a:t>toleranca</a:t>
+            </a:r>
+            <a:r>
+              <a:rPr lang="en-US" sz="1300" b="1" dirty="0">
+                <a:solidFill>
+                  <a:srgbClr val="644600"/>
+                </a:solidFill>
+              </a:rPr>
+              <a:t>), </a:t>
+            </a:r>
+            <a:r>
+              <a:rPr lang="en-US" sz="1300" b="1" dirty="0" err="1">
+                <a:solidFill>
+                  <a:srgbClr val="644600"/>
+                </a:solidFill>
+              </a:rPr>
+              <a:t>konvergon</a:t>
+            </a:r>
+            <a:r>
+              <a:rPr lang="en-US" sz="1300" b="1" dirty="0">
+                <a:solidFill>
+                  <a:srgbClr val="644600"/>
+                </a:solidFill>
+              </a:rPr>
               <a:t> </a:t>
             </a:r>
             <a:r>
@@ -12716,7 +14170,7 @@
                   <a:srgbClr val="644600"/>
                 </a:solidFill>
               </a:rPr>
-              <a:t>derisa</a:t>
+              <a:t>në</a:t>
             </a:r>
             <a:r>
               <a:rPr lang="en-US" sz="1300" b="1" dirty="0">
@@ -12724,81 +14178,7 @@
                   <a:srgbClr val="644600"/>
                 </a:solidFill>
               </a:rPr>
-              <a:t> ||PR(t+1) - PR(t)|| &lt; Îµ</a:t>
-            </a:r>
-          </a:p>
-          <a:p>
-            <a:r>
-              <a:rPr lang="en-US" sz="1300" b="1" dirty="0">
-                <a:solidFill>
-                  <a:srgbClr val="644600"/>
-                </a:solidFill>
-              </a:rPr>
-              <a:t>   </a:t>
-            </a:r>
-            <a:r>
-              <a:rPr lang="en-US" sz="1300" b="1" dirty="0" err="1">
-                <a:solidFill>
-                  <a:srgbClr val="644600"/>
-                </a:solidFill>
-              </a:rPr>
-              <a:t>Zakonisht</a:t>
-            </a:r>
-            <a:r>
-              <a:rPr lang="en-US" sz="1300" b="1" dirty="0">
-                <a:solidFill>
-                  <a:srgbClr val="644600"/>
-                </a:solidFill>
-              </a:rPr>
-              <a:t> Îµ = 0.000001 (</a:t>
-            </a:r>
-            <a:r>
-              <a:rPr lang="en-US" sz="1300" b="1" dirty="0" err="1">
-                <a:solidFill>
-                  <a:srgbClr val="644600"/>
-                </a:solidFill>
-              </a:rPr>
-              <a:t>toleranca</a:t>
-            </a:r>
-            <a:r>
-              <a:rPr lang="en-US" sz="1300" b="1" dirty="0">
-                <a:solidFill>
-                  <a:srgbClr val="644600"/>
-                </a:solidFill>
-              </a:rPr>
-              <a:t>), </a:t>
-            </a:r>
-            <a:r>
-              <a:rPr lang="en-US" sz="1300" b="1" dirty="0" err="1">
-                <a:solidFill>
-                  <a:srgbClr val="644600"/>
-                </a:solidFill>
-              </a:rPr>
-              <a:t>konvergon</a:t>
-            </a:r>
-            <a:r>
-              <a:rPr lang="en-US" sz="1300" b="1" dirty="0">
-                <a:solidFill>
-                  <a:srgbClr val="644600"/>
-                </a:solidFill>
-              </a:rPr>
-              <a:t> </a:t>
-            </a:r>
-            <a:r>
-              <a:rPr lang="en-US" sz="1300" b="1" dirty="0" err="1">
-                <a:solidFill>
-                  <a:srgbClr val="644600"/>
-                </a:solidFill>
-              </a:rPr>
-              <a:t>nÃ</a:t>
-            </a:r>
-            <a:r>
-              <a:rPr lang="en-US" sz="1300" b="1" dirty="0">
-                <a:solidFill>
-                  <a:srgbClr val="644600"/>
-                </a:solidFill>
-              </a:rPr>
-              <a:t>« ~20-50 </a:t>
+              <a:t> ~20-50 </a:t>
             </a:r>
             <a:r>
               <a:rPr lang="en-US" sz="1300" b="1" dirty="0" err="1">
@@ -13044,46 +14424,90 @@
           <a:lstStyle/>
           <a:p>
             <a:r>
-              <a:rPr lang="en-US" sz="1400">
+              <a:rPr lang="en-US" sz="1400" dirty="0">
                 <a:solidFill>
                   <a:srgbClr val="502800"/>
                 </a:solidFill>
               </a:rPr>
-              <a:t>ðŸŒ WEB SI GRAF I DREJTUAR:</a:t>
-            </a:r>
-          </a:p>
-          <a:p>
-            <a:r>
-              <a:rPr lang="en-US" sz="1400">
+              <a:t>WEB SI GRAF I DREJTUAR:</a:t>
+            </a:r>
+          </a:p>
+          <a:p>
+            <a:r>
+              <a:rPr lang="en-US" sz="1400" dirty="0">
                 <a:solidFill>
                   <a:srgbClr val="502800"/>
                 </a:solidFill>
               </a:rPr>
-              <a:t>â€¢ Nyjat (Vertices) = Faqet web</a:t>
-            </a:r>
-          </a:p>
-          <a:p>
-            <a:r>
-              <a:rPr lang="en-US" sz="1400">
+              <a:t> </a:t>
+            </a:r>
+            <a:r>
+              <a:rPr lang="en-US" sz="1400" dirty="0" err="1">
                 <a:solidFill>
                   <a:srgbClr val="502800"/>
                 </a:solidFill>
               </a:rPr>
-              <a:t>â€¢ Skajet (Edges) = Hiperlidhjet</a:t>
-            </a:r>
-          </a:p>
-          <a:p>
-            <a:r>
-              <a:rPr lang="en-US" sz="1400">
+              <a:t>Nyjat</a:t>
+            </a:r>
+            <a:r>
+              <a:rPr lang="en-US" sz="1400" dirty="0">
                 <a:solidFill>
                   <a:srgbClr val="502800"/>
                 </a:solidFill>
               </a:rPr>
-              <a:t>â€¢ Skaj A â†’ B: Faqja A lidhet me B</a:t>
-            </a:r>
-          </a:p>
-          <a:p>
-            <a:endParaRPr lang="en-US" sz="1400">
+              <a:t> (Vertices) = </a:t>
+            </a:r>
+            <a:r>
+              <a:rPr lang="en-US" sz="1400" dirty="0" err="1">
+                <a:solidFill>
+                  <a:srgbClr val="502800"/>
+                </a:solidFill>
+              </a:rPr>
+              <a:t>Faqet</a:t>
+            </a:r>
+            <a:r>
+              <a:rPr lang="en-US" sz="1400" dirty="0">
+                <a:solidFill>
+                  <a:srgbClr val="502800"/>
+                </a:solidFill>
+              </a:rPr>
+              <a:t> web</a:t>
+            </a:r>
+          </a:p>
+          <a:p>
+            <a:r>
+              <a:rPr lang="en-US" sz="1400" dirty="0">
+                <a:solidFill>
+                  <a:srgbClr val="502800"/>
+                </a:solidFill>
+              </a:rPr>
+              <a:t> </a:t>
+            </a:r>
+            <a:r>
+              <a:rPr lang="en-US" sz="1400" dirty="0" err="1">
+                <a:solidFill>
+                  <a:srgbClr val="502800"/>
+                </a:solidFill>
+              </a:rPr>
+              <a:t>Skajet</a:t>
+            </a:r>
+            <a:r>
+              <a:rPr lang="en-US" sz="1400" dirty="0">
+                <a:solidFill>
+                  <a:srgbClr val="502800"/>
+                </a:solidFill>
+              </a:rPr>
+              <a:t> (Edges) = </a:t>
+            </a:r>
+            <a:r>
+              <a:rPr lang="en-US" sz="1400" dirty="0" err="1">
+                <a:solidFill>
+                  <a:srgbClr val="502800"/>
+                </a:solidFill>
+              </a:rPr>
+              <a:t>Hiperlidhjet</a:t>
+            </a:r>
+            <a:endParaRPr lang="en-US" sz="1400" dirty="0">
               <a:solidFill>
                 <a:srgbClr val="502800"/>
               </a:solidFill>
@@ -13091,52 +14515,242 @@
           </a:p>
           <a:p>
             <a:r>
-              <a:rPr lang="en-US" sz="1400">
+              <a:rPr lang="en-US" sz="1400" dirty="0">
                 <a:solidFill>
                   <a:srgbClr val="502800"/>
                 </a:solidFill>
               </a:rPr>
-              <a:t>ðŸ“Š GRAFI YNÃ‹ TESTUES:</a:t>
-            </a:r>
-          </a:p>
-          <a:p>
-            <a:r>
-              <a:rPr lang="en-US" sz="1400">
+              <a:t> </a:t>
+            </a:r>
+            <a:r>
+              <a:rPr lang="en-US" sz="1400" dirty="0" err="1">
                 <a:solidFill>
                   <a:srgbClr val="502800"/>
                 </a:solidFill>
               </a:rPr>
-              <a:t>â€¢ 12 faqe web (nyja)</a:t>
-            </a:r>
-          </a:p>
-          <a:p>
-            <a:r>
-              <a:rPr lang="en-US" sz="1400">
+              <a:t>Skaj</a:t>
+            </a:r>
+            <a:r>
+              <a:rPr lang="en-US" sz="1400" dirty="0">
                 <a:solidFill>
                   <a:srgbClr val="502800"/>
                 </a:solidFill>
               </a:rPr>
-              <a:t>â€¢ 36 hiperlidhje (skaje)</a:t>
-            </a:r>
-          </a:p>
-          <a:p>
-            <a:r>
-              <a:rPr lang="en-US" sz="1400">
+              <a:t> A â†’ B: </a:t>
+            </a:r>
+            <a:r>
+              <a:rPr lang="en-US" sz="1400" dirty="0" err="1">
                 <a:solidFill>
                   <a:srgbClr val="502800"/>
                 </a:solidFill>
               </a:rPr>
-              <a:t>â€¢ Mesatarja: 3.0 lidhje/faqe</a:t>
-            </a:r>
-          </a:p>
-          <a:p>
-            <a:r>
-              <a:rPr lang="en-US" sz="1400">
+              <a:t>Faqja</a:t>
+            </a:r>
+            <a:r>
+              <a:rPr lang="en-US" sz="1400" dirty="0">
                 <a:solidFill>
                   <a:srgbClr val="502800"/>
                 </a:solidFill>
               </a:rPr>
-              <a:t>â€¢ Densiteti: 0.273</a:t>
+              <a:t> A </a:t>
+            </a:r>
+            <a:r>
+              <a:rPr lang="en-US" sz="1400" dirty="0" err="1">
+                <a:solidFill>
+                  <a:srgbClr val="502800"/>
+                </a:solidFill>
+              </a:rPr>
+              <a:t>lidhet</a:t>
+            </a:r>
+            <a:r>
+              <a:rPr lang="en-US" sz="1400" dirty="0">
+                <a:solidFill>
+                  <a:srgbClr val="502800"/>
+                </a:solidFill>
+              </a:rPr>
+              <a:t> me B</a:t>
+            </a:r>
+          </a:p>
+          <a:p>
+            <a:endParaRPr lang="en-US" sz="1400" dirty="0">
+              <a:solidFill>
+                <a:srgbClr val="502800"/>
+              </a:solidFill>
+            </a:endParaRPr>
+          </a:p>
+          <a:p>
+            <a:r>
+              <a:rPr lang="en-US" sz="1400" dirty="0">
+                <a:solidFill>
+                  <a:srgbClr val="502800"/>
+                </a:solidFill>
+              </a:rPr>
+              <a:t>GRAFI YNË TESTUES:</a:t>
+            </a:r>
+          </a:p>
+          <a:p>
+            <a:r>
+              <a:rPr lang="en-US" sz="1400" dirty="0">
+                <a:solidFill>
+                  <a:srgbClr val="502800"/>
+                </a:solidFill>
+              </a:rPr>
+              <a:t> 12 </a:t>
+            </a:r>
+            <a:r>
+              <a:rPr lang="en-US" sz="1400" dirty="0" err="1">
+                <a:solidFill>
+                  <a:srgbClr val="502800"/>
+                </a:solidFill>
+              </a:rPr>
+              <a:t>faqe</a:t>
+            </a:r>
+            <a:r>
+              <a:rPr lang="en-US" sz="1400" dirty="0">
+                <a:solidFill>
+                  <a:srgbClr val="502800"/>
+                </a:solidFill>
+              </a:rPr>
+              <a:t> web (</a:t>
+            </a:r>
+            <a:r>
+              <a:rPr lang="en-US" sz="1400" dirty="0" err="1">
+                <a:solidFill>
+                  <a:srgbClr val="502800"/>
+                </a:solidFill>
+              </a:rPr>
+              <a:t>nyja</a:t>
+            </a:r>
+            <a:r>
+              <a:rPr lang="en-US" sz="1400" dirty="0">
+                <a:solidFill>
+                  <a:srgbClr val="502800"/>
+                </a:solidFill>
+              </a:rPr>
+              <a:t>)</a:t>
+            </a:r>
+          </a:p>
+          <a:p>
+            <a:r>
+              <a:rPr lang="en-US" sz="1400" dirty="0">
+                <a:solidFill>
+                  <a:srgbClr val="502800"/>
+                </a:solidFill>
+              </a:rPr>
+              <a:t> 36 </a:t>
+            </a:r>
+            <a:r>
+              <a:rPr lang="en-US" sz="1400" dirty="0" err="1">
+                <a:solidFill>
+                  <a:srgbClr val="502800"/>
+                </a:solidFill>
+              </a:rPr>
+              <a:t>hiperlidhje</a:t>
+            </a:r>
+            <a:r>
+              <a:rPr lang="en-US" sz="1400" dirty="0">
+                <a:solidFill>
+                  <a:srgbClr val="502800"/>
+                </a:solidFill>
+              </a:rPr>
+              <a:t> (</a:t>
+            </a:r>
+            <a:r>
+              <a:rPr lang="en-US" sz="1400" dirty="0" err="1">
+                <a:solidFill>
+                  <a:srgbClr val="502800"/>
+                </a:solidFill>
+              </a:rPr>
+              <a:t>skaje</a:t>
+            </a:r>
+            <a:r>
+              <a:rPr lang="en-US" sz="1400" dirty="0">
+                <a:solidFill>
+                  <a:srgbClr val="502800"/>
+                </a:solidFill>
+              </a:rPr>
+              <a:t>)</a:t>
+            </a:r>
+          </a:p>
+          <a:p>
+            <a:r>
+              <a:rPr lang="en-US" sz="1400" dirty="0">
+                <a:solidFill>
+                  <a:srgbClr val="502800"/>
+                </a:solidFill>
+              </a:rPr>
+              <a:t> </a:t>
+            </a:r>
+            <a:r>
+              <a:rPr lang="en-US" sz="1400" dirty="0" err="1">
+                <a:solidFill>
+                  <a:srgbClr val="502800"/>
+                </a:solidFill>
+              </a:rPr>
+              <a:t>Mesatarja</a:t>
+            </a:r>
+            <a:r>
+              <a:rPr lang="en-US" sz="1400" dirty="0">
+                <a:solidFill>
+                  <a:srgbClr val="502800"/>
+                </a:solidFill>
+              </a:rPr>
+              <a:t>: 3.0 </a:t>
+            </a:r>
+            <a:r>
+              <a:rPr lang="en-US" sz="1400" dirty="0" err="1">
+                <a:solidFill>
+                  <a:srgbClr val="502800"/>
+                </a:solidFill>
+              </a:rPr>
+              <a:t>lidhje</a:t>
+            </a:r>
+            <a:r>
+              <a:rPr lang="en-US" sz="1400" dirty="0">
+                <a:solidFill>
+                  <a:srgbClr val="502800"/>
+                </a:solidFill>
+              </a:rPr>
+              <a:t>/</a:t>
+            </a:r>
+            <a:r>
+              <a:rPr lang="en-US" sz="1400" dirty="0" err="1">
+                <a:solidFill>
+                  <a:srgbClr val="502800"/>
+                </a:solidFill>
+              </a:rPr>
+              <a:t>faqe</a:t>
+            </a:r>
+            <a:endParaRPr lang="en-US" sz="1400" dirty="0">
+              <a:solidFill>
+                <a:srgbClr val="502800"/>
+              </a:solidFill>
+            </a:endParaRPr>
+          </a:p>
+          <a:p>
+            <a:r>
+              <a:rPr lang="en-US" sz="1400" dirty="0">
+                <a:solidFill>
+                  <a:srgbClr val="502800"/>
+                </a:solidFill>
+              </a:rPr>
+              <a:t> </a:t>
+            </a:r>
+            <a:r>
+              <a:rPr lang="en-US" sz="1400" dirty="0" err="1">
+                <a:solidFill>
+                  <a:srgbClr val="502800"/>
+                </a:solidFill>
+              </a:rPr>
+              <a:t>Densiteti</a:t>
+            </a:r>
+            <a:r>
+              <a:rPr lang="en-US" sz="1400" dirty="0">
+                <a:solidFill>
+                  <a:srgbClr val="502800"/>
+                </a:solidFill>
+              </a:rPr>
+              <a:t>: 0.273</a:t>
             </a:r>
           </a:p>
         </p:txBody>
@@ -13224,12 +14838,12 @@
           <a:lstStyle/>
           <a:p>
             <a:r>
-              <a:rPr lang="en-US" sz="1400" b="1">
+              <a:rPr lang="en-US" sz="1400" b="1" dirty="0">
                 <a:solidFill>
                   <a:srgbClr val="005000"/>
                 </a:solidFill>
               </a:rPr>
-              <a:t>DIAGRAMÃ‹ E GRAFIT:</a:t>
+              <a:t>DIAGRAMË E GRAFIT:</a:t>
             </a:r>
           </a:p>
         </p:txBody>
@@ -14049,12 +15663,12 @@
           <a:lstStyle/>
           <a:p>
             <a:r>
-              <a:rPr lang="en-US" sz="1600" b="1">
+              <a:rPr lang="en-US" sz="1600" b="1" dirty="0">
                 <a:solidFill>
                   <a:srgbClr val="003C78"/>
                 </a:solidFill>
               </a:rPr>
-              <a:t>ðŸŽ€ STRUKTURA BOW-TIE E WEB-IT (Bing Liu, f. 458):</a:t>
+              <a:t>STRUKTURA BOW-TIE E WEB-IT (Bing Liu, f. 458):</a:t>
             </a:r>
           </a:p>
         </p:txBody>
@@ -14128,7 +15742,7 @@
         <p:spPr>
           <a:xfrm>
             <a:off x="1016000" y="4191000"/>
-            <a:ext cx="1016000" cy="646331"/>
+            <a:ext cx="1016000" cy="461665"/>
           </a:xfrm>
           <a:prstGeom prst="rect">
             <a:avLst/>
@@ -14143,16 +15757,25 @@
           <a:p>
             <a:pPr algn="ctr"/>
             <a:r>
-              <a:rPr lang="en-US" sz="1200" b="1"/>
+              <a:rPr lang="en-US" sz="1200" b="1" dirty="0"/>
               <a:t>IN</a:t>
             </a:r>
           </a:p>
           <a:p>
             <a:pPr algn="ctr"/>
             <a:r>
-              <a:rPr lang="en-US" sz="1200" b="1"/>
-              <a:t>Faqe hyrÃ«se</a:t>
-            </a:r>
+              <a:rPr lang="en-US" sz="1200" b="1" dirty="0" err="1"/>
+              <a:t>Faqe</a:t>
+            </a:r>
+            <a:r>
+              <a:rPr lang="en-US" sz="1200" b="1" dirty="0"/>
+              <a:t> </a:t>
+            </a:r>
+            <a:r>
+              <a:rPr lang="en-US" sz="1200" b="1" dirty="0" err="1"/>
+              <a:t>hyrëse</a:t>
+            </a:r>
+            <a:endParaRPr lang="en-US" sz="1200" b="1" dirty="0"/>
           </a:p>
         </p:txBody>
       </p:sp>
@@ -14240,16 +15863,17 @@
           <a:p>
             <a:pPr algn="ctr"/>
             <a:r>
-              <a:rPr lang="en-US" sz="1200" b="1"/>
+              <a:rPr lang="en-US" sz="1200" b="1" dirty="0"/>
               <a:t>SCC</a:t>
             </a:r>
           </a:p>
           <a:p>
             <a:pPr algn="ctr"/>
             <a:r>
-              <a:rPr lang="en-US" sz="1200" b="1"/>
-              <a:t>BÃ«rthama</a:t>
-            </a:r>
+              <a:rPr lang="en-US" sz="1200" b="1" dirty="0" err="1"/>
+              <a:t>Bërthama</a:t>
+            </a:r>
+            <a:endParaRPr lang="en-US" sz="1200" b="1" dirty="0"/>
           </a:p>
         </p:txBody>
       </p:sp>
@@ -14322,7 +15946,7 @@
         <p:spPr>
           <a:xfrm>
             <a:off x="4826000" y="4191000"/>
-            <a:ext cx="1016000" cy="646331"/>
+            <a:ext cx="1016000" cy="461665"/>
           </a:xfrm>
           <a:prstGeom prst="rect">
             <a:avLst/>
@@ -14337,16 +15961,25 @@
           <a:p>
             <a:pPr algn="ctr"/>
             <a:r>
-              <a:rPr lang="en-US" sz="1200" b="1"/>
+              <a:rPr lang="en-US" sz="1200" b="1" dirty="0"/>
               <a:t>OUT</a:t>
             </a:r>
           </a:p>
           <a:p>
             <a:pPr algn="ctr"/>
             <a:r>
-              <a:rPr lang="en-US" sz="1200" b="1"/>
-              <a:t>Faqe dalÃ«se</a:t>
-            </a:r>
+              <a:rPr lang="en-US" sz="1200" b="1" dirty="0" err="1"/>
+              <a:t>Faqe</a:t>
+            </a:r>
+            <a:r>
+              <a:rPr lang="en-US" sz="1200" b="1" dirty="0"/>
+              <a:t> </a:t>
+            </a:r>
+            <a:r>
+              <a:rPr lang="en-US" sz="1200" b="1" dirty="0" err="1"/>
+              <a:t>dalëse</a:t>
+            </a:r>
+            <a:endParaRPr lang="en-US" sz="1200" b="1" dirty="0"/>
           </a:p>
         </p:txBody>
       </p:sp>
@@ -14556,32 +16189,320 @@
           <a:lstStyle/>
           <a:p>
             <a:r>
-              <a:rPr lang="en-US" sz="1200">
+              <a:rPr lang="en-US" sz="1200" dirty="0">
                 <a:solidFill>
                   <a:srgbClr val="002850"/>
                 </a:solidFill>
               </a:rPr>
-              <a:t>1ï¸âƒ£ IN: Faqe qÃ« lidhen me SCC | 2ï¸âƒ£ SCC: Komponenti fortÃ«sisht i lidhur (core) |</a:t>
-            </a:r>
-          </a:p>
-          <a:p>
-            <a:r>
-              <a:rPr lang="en-US" sz="1200">
+              <a:t>1. IN: </a:t>
+            </a:r>
+            <a:r>
+              <a:rPr lang="en-US" sz="1200" dirty="0" err="1">
                 <a:solidFill>
                   <a:srgbClr val="002850"/>
                 </a:solidFill>
               </a:rPr>
-              <a:t>3ï¸âƒ£ OUT: Faqe tÃ« lidhura nga SCC | 4ï¸âƒ£ Tendrils: Faqe periferike |</a:t>
-            </a:r>
-          </a:p>
-          <a:p>
-            <a:r>
-              <a:rPr lang="en-US" sz="1200">
+              <a:t>Faqe</a:t>
+            </a:r>
+            <a:r>
+              <a:rPr lang="en-US" sz="1200" dirty="0">
                 <a:solidFill>
                   <a:srgbClr val="002850"/>
                 </a:solidFill>
               </a:rPr>
-              <a:t>5ï¸âƒ£ Disconnected: Komponente tÃ« izoluara (jo tÃ« treguara)</a:t>
+              <a:t> </a:t>
+            </a:r>
+            <a:r>
+              <a:rPr lang="en-US" sz="1200" dirty="0" err="1">
+                <a:solidFill>
+                  <a:srgbClr val="002850"/>
+                </a:solidFill>
+              </a:rPr>
+              <a:t>që</a:t>
+            </a:r>
+            <a:r>
+              <a:rPr lang="en-US" sz="1200" dirty="0">
+                <a:solidFill>
+                  <a:srgbClr val="002850"/>
+                </a:solidFill>
+              </a:rPr>
+              <a:t> </a:t>
+            </a:r>
+            <a:r>
+              <a:rPr lang="en-US" sz="1200" dirty="0" err="1">
+                <a:solidFill>
+                  <a:srgbClr val="002850"/>
+                </a:solidFill>
+              </a:rPr>
+              <a:t>lidhen</a:t>
+            </a:r>
+            <a:r>
+              <a:rPr lang="en-US" sz="1200" dirty="0">
+                <a:solidFill>
+                  <a:srgbClr val="002850"/>
+                </a:solidFill>
+              </a:rPr>
+              <a:t> me SCC | 2. SCC: </a:t>
+            </a:r>
+            <a:r>
+              <a:rPr lang="en-US" sz="1200" dirty="0" err="1">
+                <a:solidFill>
+                  <a:srgbClr val="002850"/>
+                </a:solidFill>
+              </a:rPr>
+              <a:t>Komponenti</a:t>
+            </a:r>
+            <a:r>
+              <a:rPr lang="en-US" sz="1200" dirty="0">
+                <a:solidFill>
+                  <a:srgbClr val="002850"/>
+                </a:solidFill>
+              </a:rPr>
+              <a:t> </a:t>
+            </a:r>
+            <a:r>
+              <a:rPr lang="en-US" sz="1200" dirty="0" err="1">
+                <a:solidFill>
+                  <a:srgbClr val="002850"/>
+                </a:solidFill>
+              </a:rPr>
+              <a:t>fortësisht</a:t>
+            </a:r>
+            <a:r>
+              <a:rPr lang="en-US" sz="1200" dirty="0">
+                <a:solidFill>
+                  <a:srgbClr val="002850"/>
+                </a:solidFill>
+              </a:rPr>
+              <a:t> </a:t>
+            </a:r>
+            <a:r>
+              <a:rPr lang="en-US" sz="1200" dirty="0" err="1">
+                <a:solidFill>
+                  <a:srgbClr val="002850"/>
+                </a:solidFill>
+              </a:rPr>
+              <a:t>i</a:t>
+            </a:r>
+            <a:r>
+              <a:rPr lang="en-US" sz="1200" dirty="0">
+                <a:solidFill>
+                  <a:srgbClr val="002850"/>
+                </a:solidFill>
+              </a:rPr>
+              <a:t> </a:t>
+            </a:r>
+            <a:r>
+              <a:rPr lang="en-US" sz="1200" dirty="0" err="1">
+                <a:solidFill>
+                  <a:srgbClr val="002850"/>
+                </a:solidFill>
+              </a:rPr>
+              <a:t>lidhur</a:t>
+            </a:r>
+            <a:r>
+              <a:rPr lang="en-US" sz="1200" dirty="0">
+                <a:solidFill>
+                  <a:srgbClr val="002850"/>
+                </a:solidFill>
+              </a:rPr>
+              <a:t> (core) |</a:t>
+            </a:r>
+          </a:p>
+          <a:p>
+            <a:r>
+              <a:rPr lang="en-US" sz="1200" dirty="0">
+                <a:solidFill>
+                  <a:srgbClr val="002850"/>
+                </a:solidFill>
+              </a:rPr>
+              <a:t>3. OUT: </a:t>
+            </a:r>
+            <a:r>
+              <a:rPr lang="en-US" sz="1200" dirty="0" err="1">
+                <a:solidFill>
+                  <a:srgbClr val="002850"/>
+                </a:solidFill>
+              </a:rPr>
+              <a:t>Faqe</a:t>
+            </a:r>
+            <a:r>
+              <a:rPr lang="en-US" sz="1200" dirty="0">
+                <a:solidFill>
+                  <a:srgbClr val="002850"/>
+                </a:solidFill>
+              </a:rPr>
+              <a:t> </a:t>
+            </a:r>
+            <a:r>
+              <a:rPr lang="en-US" sz="1200" dirty="0" err="1">
+                <a:solidFill>
+                  <a:srgbClr val="002850"/>
+                </a:solidFill>
+              </a:rPr>
+              <a:t>të</a:t>
+            </a:r>
+            <a:r>
+              <a:rPr lang="en-US" sz="1200" dirty="0">
+                <a:solidFill>
+                  <a:srgbClr val="002850"/>
+                </a:solidFill>
+              </a:rPr>
+              <a:t> </a:t>
+            </a:r>
+            <a:r>
+              <a:rPr lang="en-US" sz="1200" dirty="0" err="1">
+                <a:solidFill>
+                  <a:srgbClr val="002850"/>
+                </a:solidFill>
+              </a:rPr>
+              <a:t>lidhura</a:t>
+            </a:r>
+            <a:r>
+              <a:rPr lang="en-US" sz="1200" dirty="0">
+                <a:solidFill>
+                  <a:srgbClr val="002850"/>
+                </a:solidFill>
+              </a:rPr>
+              <a:t> </a:t>
+            </a:r>
+            <a:r>
+              <a:rPr lang="en-US" sz="1200" dirty="0" err="1">
+                <a:solidFill>
+                  <a:srgbClr val="002850"/>
+                </a:solidFill>
+              </a:rPr>
+              <a:t>nga</a:t>
+            </a:r>
+            <a:r>
+              <a:rPr lang="en-US" sz="1200" dirty="0">
+                <a:solidFill>
+                  <a:srgbClr val="002850"/>
+                </a:solidFill>
+              </a:rPr>
+              <a:t> SCC | 4. Tendrils: </a:t>
+            </a:r>
+            <a:r>
+              <a:rPr lang="en-US" sz="1200" dirty="0" err="1">
+                <a:solidFill>
+                  <a:srgbClr val="002850"/>
+                </a:solidFill>
+              </a:rPr>
+              <a:t>Faqe</a:t>
+            </a:r>
+            <a:r>
+              <a:rPr lang="en-US" sz="1200" dirty="0">
+                <a:solidFill>
+                  <a:srgbClr val="002850"/>
+                </a:solidFill>
+              </a:rPr>
+              <a:t> </a:t>
+            </a:r>
+            <a:r>
+              <a:rPr lang="en-US" sz="1200" dirty="0" err="1">
+                <a:solidFill>
+                  <a:srgbClr val="002850"/>
+                </a:solidFill>
+              </a:rPr>
+              <a:t>periferike</a:t>
+            </a:r>
+            <a:r>
+              <a:rPr lang="en-US" sz="1200" dirty="0">
+                <a:solidFill>
+                  <a:srgbClr val="002850"/>
+                </a:solidFill>
+              </a:rPr>
+              <a:t> |</a:t>
+            </a:r>
+          </a:p>
+          <a:p>
+            <a:r>
+              <a:rPr lang="en-US" sz="1200" dirty="0">
+                <a:solidFill>
+                  <a:srgbClr val="002850"/>
+                </a:solidFill>
+              </a:rPr>
+              <a:t>5. Disconnected: </a:t>
+            </a:r>
+            <a:r>
+              <a:rPr lang="en-US" sz="1200" dirty="0" err="1">
+                <a:solidFill>
+                  <a:srgbClr val="002850"/>
+                </a:solidFill>
+              </a:rPr>
+              <a:t>Komponente</a:t>
+            </a:r>
+            <a:r>
+              <a:rPr lang="en-US" sz="1200" dirty="0">
+                <a:solidFill>
+                  <a:srgbClr val="002850"/>
+                </a:solidFill>
+              </a:rPr>
+              <a:t> </a:t>
+            </a:r>
+            <a:r>
+              <a:rPr lang="en-US" sz="1200" dirty="0" err="1">
+                <a:solidFill>
+                  <a:srgbClr val="002850"/>
+                </a:solidFill>
+              </a:rPr>
+              <a:t>të</a:t>
+            </a:r>
+            <a:r>
+              <a:rPr lang="en-US" sz="1200" dirty="0">
+                <a:solidFill>
+                  <a:srgbClr val="002850"/>
+                </a:solidFill>
+              </a:rPr>
+              <a:t> </a:t>
+            </a:r>
+            <a:r>
+              <a:rPr lang="en-US" sz="1200" dirty="0" err="1">
+                <a:solidFill>
+                  <a:srgbClr val="002850"/>
+                </a:solidFill>
+              </a:rPr>
+              <a:t>izoluara</a:t>
+            </a:r>
+            <a:r>
+              <a:rPr lang="en-US" sz="1200" dirty="0">
+                <a:solidFill>
+                  <a:srgbClr val="002850"/>
+                </a:solidFill>
+              </a:rPr>
+              <a:t> (jo </a:t>
+            </a:r>
+            <a:r>
+              <a:rPr lang="en-US" sz="1200" dirty="0" err="1">
+                <a:solidFill>
+                  <a:srgbClr val="002850"/>
+                </a:solidFill>
+              </a:rPr>
+              <a:t>të</a:t>
+            </a:r>
+            <a:r>
+              <a:rPr lang="en-US" sz="1200" dirty="0">
+                <a:solidFill>
+                  <a:srgbClr val="002850"/>
+                </a:solidFill>
+              </a:rPr>
+              <a:t> </a:t>
+            </a:r>
+            <a:r>
+              <a:rPr lang="en-US" sz="1200" dirty="0" err="1">
+                <a:solidFill>
+                  <a:srgbClr val="002850"/>
+                </a:solidFill>
+              </a:rPr>
+              <a:t>treguara</a:t>
+            </a:r>
+            <a:r>
+              <a:rPr lang="en-US" sz="1200" dirty="0">
+                <a:solidFill>
+                  <a:srgbClr val="002850"/>
+                </a:solidFill>
+              </a:rPr>
+              <a:t>)</a:t>
             </a:r>
           </a:p>
         </p:txBody>
@@ -14721,12 +16642,12 @@
           <a:lstStyle/>
           <a:p>
             <a:r>
-              <a:rPr lang="en-US" sz="2800" b="1">
+              <a:rPr lang="en-US" sz="2800" b="1" dirty="0">
                 <a:solidFill>
                   <a:srgbClr val="FFFFFF"/>
                 </a:solidFill>
               </a:rPr>
-              <a:t>âš™ï¸ IMPLEMENTIMI I ALGORITMIT</a:t>
+              <a:t>IMPLEMENTIMI I ALGORITMIT</a:t>
             </a:r>
           </a:p>
         </p:txBody>
@@ -14815,17 +16736,17 @@
           <a:p>
             <a:pPr algn="ctr"/>
             <a:r>
-              <a:rPr lang="pt-BR" sz="1400" b="1"/>
+              <a:rPr lang="pt-BR" sz="1400" b="1" dirty="0"/>
               <a:t>HAPI 1: INICIALIZIMI</a:t>
             </a:r>
           </a:p>
           <a:p>
             <a:pPr algn="ctr"/>
             <a:r>
-              <a:rPr lang="pt-BR" sz="1400" b="1"/>
-              <a:t>PR(p) = 1/N pÃ«r tÃ« gjitha faqet p (N = 12)</a:t>
-            </a:r>
-            <a:endParaRPr lang="en-US" sz="1400" b="1"/>
+              <a:rPr lang="pt-BR" sz="1400" b="1" dirty="0"/>
+              <a:t>PR(p) = 1/N për të gjitha faqet p (N = 12)</a:t>
+            </a:r>
+            <a:endParaRPr lang="en-US" sz="1400" b="1" dirty="0"/>
           </a:p>
         </p:txBody>
       </p:sp>
@@ -14955,24 +16876,24 @@
           <a:p>
             <a:pPr algn="ctr"/>
             <a:r>
-              <a:rPr lang="pt-BR" sz="1300" b="1"/>
+              <a:rPr lang="pt-BR" sz="1300" b="1" dirty="0"/>
               <a:t>HAPI 2: ITERACIONI</a:t>
             </a:r>
           </a:p>
           <a:p>
             <a:pPr algn="ctr"/>
             <a:r>
-              <a:rPr lang="pt-BR" sz="1300" b="1"/>
-              <a:t>PÃ«r Ã§do faqe p:</a:t>
+              <a:rPr lang="pt-BR" sz="1300" b="1" dirty="0"/>
+              <a:t>Për çdo faqe p:</a:t>
             </a:r>
           </a:p>
           <a:p>
             <a:pPr algn="ctr"/>
             <a:r>
-              <a:rPr lang="pt-BR" sz="1300" b="1"/>
+              <a:rPr lang="pt-BR" sz="1300" b="1" dirty="0"/>
               <a:t>PR_new(p) = (1-d)/N + d Ã— Î£[PR(q)/C(q)]</a:t>
             </a:r>
-            <a:endParaRPr lang="en-US" sz="1300" b="1"/>
+            <a:endParaRPr lang="en-US" sz="1300" b="1" dirty="0"/>
           </a:p>
         </p:txBody>
       </p:sp>
@@ -15403,12 +17324,12 @@
           <a:p>
             <a:pPr algn="ctr"/>
             <a:r>
-              <a:rPr lang="en-US" sz="1600" b="1">
+              <a:rPr lang="en-US" sz="1600" b="1" dirty="0">
                 <a:solidFill>
                   <a:srgbClr val="FFFFFF"/>
                 </a:solidFill>
               </a:rPr>
-              <a:t>âœ… PÃ‹RFUNDIM</a:t>
+              <a:t> PËRFUNDIM</a:t>
             </a:r>
           </a:p>
         </p:txBody>
@@ -15497,13 +17418,82 @@
           <a:p>
             <a:pPr algn="ctr"/>
             <a:r>
-              <a:rPr lang="en-US" sz="1300" b="1">
+              <a:rPr lang="en-US" sz="1300" b="1" dirty="0" err="1">
                 <a:solidFill>
                   <a:srgbClr val="005000"/>
                 </a:solidFill>
               </a:rPr>
-              <a:t>âœ“ Konvergjuar nÃ« 19 iteracione | d = 0.85 | Îµ = 0.000001 | 12 faqe | 36 lidhje</a:t>
-            </a:r>
+              <a:t>Konvergjuar</a:t>
+            </a:r>
+            <a:r>
+              <a:rPr lang="en-US" sz="1300" b="1" dirty="0">
+                <a:solidFill>
+                  <a:srgbClr val="005000"/>
+                </a:solidFill>
+              </a:rPr>
+              <a:t> </a:t>
+            </a:r>
+            <a:r>
+              <a:rPr lang="en-US" sz="1300" b="1" dirty="0" err="1">
+                <a:solidFill>
+                  <a:srgbClr val="005000"/>
+                </a:solidFill>
+              </a:rPr>
+              <a:t>në</a:t>
+            </a:r>
+            <a:r>
+              <a:rPr lang="en-US" sz="1300" b="1" dirty="0">
+                <a:solidFill>
+                  <a:srgbClr val="005000"/>
+                </a:solidFill>
+              </a:rPr>
+              <a:t> 19 </a:t>
+            </a:r>
+            <a:r>
+              <a:rPr lang="en-US" sz="1300" b="1" dirty="0" err="1">
+                <a:solidFill>
+                  <a:srgbClr val="005000"/>
+                </a:solidFill>
+              </a:rPr>
+              <a:t>iteracione</a:t>
+            </a:r>
+            <a:r>
+              <a:rPr lang="en-US" sz="1300" b="1" dirty="0">
+                <a:solidFill>
+                  <a:srgbClr val="005000"/>
+                </a:solidFill>
+              </a:rPr>
+              <a:t> | d = 0.85 | Îµ = 0.000001 | 12 </a:t>
+            </a:r>
+            <a:r>
+              <a:rPr lang="en-US" sz="1300" b="1" dirty="0" err="1">
+                <a:solidFill>
+                  <a:srgbClr val="005000"/>
+                </a:solidFill>
+              </a:rPr>
+              <a:t>faqe</a:t>
+            </a:r>
+            <a:r>
+              <a:rPr lang="en-US" sz="1300" b="1" dirty="0">
+                <a:solidFill>
+                  <a:srgbClr val="005000"/>
+                </a:solidFill>
+              </a:rPr>
+              <a:t> | 36 </a:t>
+            </a:r>
+            <a:r>
+              <a:rPr lang="en-US" sz="1300" b="1" dirty="0" err="1">
+                <a:solidFill>
+                  <a:srgbClr val="005000"/>
+                </a:solidFill>
+              </a:rPr>
+              <a:t>lidhje</a:t>
+            </a:r>
+            <a:endParaRPr lang="en-US" sz="1300" b="1" dirty="0">
+              <a:solidFill>
+                <a:srgbClr val="005000"/>
+              </a:solidFill>
+            </a:endParaRPr>
           </a:p>
         </p:txBody>
       </p:sp>
@@ -15642,12 +17632,12 @@
           <a:lstStyle/>
           <a:p>
             <a:r>
-              <a:rPr lang="en-US" sz="2800" b="1">
+              <a:rPr lang="en-US" sz="2800" b="1" dirty="0">
                 <a:solidFill>
                   <a:srgbClr val="FFFFFF"/>
                 </a:solidFill>
               </a:rPr>
-              <a:t>ðŸ“Š REZULTATET E PAGERANK - TÃ‹ DHÃ‹NA REALE</a:t>
+              <a:t>REZULTATET E PAGERANK - TË DHËNA REALE</a:t>
             </a:r>
           </a:p>
         </p:txBody>
@@ -16782,12 +18772,12 @@
           <a:p>
             <a:pPr algn="ctr"/>
             <a:r>
-              <a:rPr lang="en-US" sz="1400" b="1">
+              <a:rPr lang="en-US" sz="1400" b="1" dirty="0">
                 <a:solidFill>
                   <a:srgbClr val="003C78"/>
                 </a:solidFill>
               </a:rPr>
-              <a:t>ðŸ“ˆ GRAFIKU I SHPÃ‹RNDARJES</a:t>
+              <a:t>GRAFIKU I SHPËRNDARJES</a:t>
             </a:r>
           </a:p>
         </p:txBody>
@@ -18625,13 +20615,186 @@
           <a:lstStyle/>
           <a:p>
             <a:r>
-              <a:rPr lang="en-US" sz="1100">
+              <a:rPr lang="en-US" sz="1100" dirty="0">
                 <a:solidFill>
                   <a:srgbClr val="644600"/>
                 </a:solidFill>
               </a:rPr>
-              <a:t>ðŸ” VÃ‹ZHGIME: HomePage ka PageRank mÃ« tÃ« lartÃ« (qendÃ«r kryesore) | ShpÃ«rndarja ndjek ligjin Power-Law | Konvergjuar pas 25 iteracioneve</a:t>
-            </a:r>
+              <a:t>VËZHGIME: </a:t>
+            </a:r>
+            <a:r>
+              <a:rPr lang="en-US" sz="1100" dirty="0" err="1">
+                <a:solidFill>
+                  <a:srgbClr val="644600"/>
+                </a:solidFill>
+              </a:rPr>
+              <a:t>HomePage</a:t>
+            </a:r>
+            <a:r>
+              <a:rPr lang="en-US" sz="1100" dirty="0">
+                <a:solidFill>
+                  <a:srgbClr val="644600"/>
+                </a:solidFill>
+              </a:rPr>
+              <a:t> ka PageRank </a:t>
+            </a:r>
+            <a:r>
+              <a:rPr lang="en-US" sz="1100" dirty="0" err="1">
+                <a:solidFill>
+                  <a:srgbClr val="644600"/>
+                </a:solidFill>
+              </a:rPr>
+              <a:t>më</a:t>
+            </a:r>
+            <a:r>
+              <a:rPr lang="en-US" sz="1100" dirty="0">
+                <a:solidFill>
+                  <a:srgbClr val="644600"/>
+                </a:solidFill>
+              </a:rPr>
+              <a:t> </a:t>
+            </a:r>
+            <a:r>
+              <a:rPr lang="en-US" sz="1100" dirty="0" err="1">
+                <a:solidFill>
+                  <a:srgbClr val="644600"/>
+                </a:solidFill>
+              </a:rPr>
+              <a:t>të</a:t>
+            </a:r>
+            <a:r>
+              <a:rPr lang="en-US" sz="1100" dirty="0">
+                <a:solidFill>
+                  <a:srgbClr val="644600"/>
+                </a:solidFill>
+              </a:rPr>
+              <a:t> </a:t>
+            </a:r>
+            <a:r>
+              <a:rPr lang="en-US" sz="1100" dirty="0" err="1">
+                <a:solidFill>
+                  <a:srgbClr val="644600"/>
+                </a:solidFill>
+              </a:rPr>
+              <a:t>lartë</a:t>
+            </a:r>
+            <a:r>
+              <a:rPr lang="en-US" sz="1100" dirty="0">
+                <a:solidFill>
+                  <a:srgbClr val="644600"/>
+                </a:solidFill>
+              </a:rPr>
+              <a:t> (</a:t>
+            </a:r>
+            <a:r>
+              <a:rPr lang="en-US" sz="1100" dirty="0" err="1">
+                <a:solidFill>
+                  <a:srgbClr val="644600"/>
+                </a:solidFill>
+              </a:rPr>
+              <a:t>qendër</a:t>
+            </a:r>
+            <a:r>
+              <a:rPr lang="en-US" sz="1100" dirty="0">
+                <a:solidFill>
+                  <a:srgbClr val="644600"/>
+                </a:solidFill>
+              </a:rPr>
+              <a:t> </a:t>
+            </a:r>
+            <a:r>
+              <a:rPr lang="en-US" sz="1100" dirty="0" err="1">
+                <a:solidFill>
+                  <a:srgbClr val="644600"/>
+                </a:solidFill>
+              </a:rPr>
+              <a:t>kryesore</a:t>
+            </a:r>
+            <a:r>
+              <a:rPr lang="en-US" sz="1100" dirty="0">
+                <a:solidFill>
+                  <a:srgbClr val="644600"/>
+                </a:solidFill>
+              </a:rPr>
+              <a:t>) | </a:t>
+            </a:r>
+            <a:r>
+              <a:rPr lang="en-US" sz="1100" dirty="0" err="1">
+                <a:solidFill>
+                  <a:srgbClr val="644600"/>
+                </a:solidFill>
+              </a:rPr>
+              <a:t>Shpërndarja</a:t>
+            </a:r>
+            <a:r>
+              <a:rPr lang="en-US" sz="1100" dirty="0">
+                <a:solidFill>
+                  <a:srgbClr val="644600"/>
+                </a:solidFill>
+              </a:rPr>
+              <a:t> </a:t>
+            </a:r>
+            <a:r>
+              <a:rPr lang="en-US" sz="1100" dirty="0" err="1">
+                <a:solidFill>
+                  <a:srgbClr val="644600"/>
+                </a:solidFill>
+              </a:rPr>
+              <a:t>ndjek</a:t>
+            </a:r>
+            <a:r>
+              <a:rPr lang="en-US" sz="1100" dirty="0">
+                <a:solidFill>
+                  <a:srgbClr val="644600"/>
+                </a:solidFill>
+              </a:rPr>
+              <a:t> </a:t>
+            </a:r>
+            <a:r>
+              <a:rPr lang="en-US" sz="1100" dirty="0" err="1">
+                <a:solidFill>
+                  <a:srgbClr val="644600"/>
+                </a:solidFill>
+              </a:rPr>
+              <a:t>ligjin</a:t>
+            </a:r>
+            <a:r>
+              <a:rPr lang="en-US" sz="1100" dirty="0">
+                <a:solidFill>
+                  <a:srgbClr val="644600"/>
+                </a:solidFill>
+              </a:rPr>
+              <a:t> Power-Law | </a:t>
+            </a:r>
+            <a:r>
+              <a:rPr lang="en-US" sz="1100" dirty="0" err="1">
+                <a:solidFill>
+                  <a:srgbClr val="644600"/>
+                </a:solidFill>
+              </a:rPr>
+              <a:t>Konvergjuar</a:t>
+            </a:r>
+            <a:r>
+              <a:rPr lang="en-US" sz="1100" dirty="0">
+                <a:solidFill>
+                  <a:srgbClr val="644600"/>
+                </a:solidFill>
+              </a:rPr>
+              <a:t> pas 25 </a:t>
+            </a:r>
+            <a:r>
+              <a:rPr lang="en-US" sz="1100" dirty="0" err="1">
+                <a:solidFill>
+                  <a:srgbClr val="644600"/>
+                </a:solidFill>
+              </a:rPr>
+              <a:t>iteracioneve</a:t>
+            </a:r>
+            <a:endParaRPr lang="en-US" sz="1100" dirty="0">
+              <a:solidFill>
+                <a:srgbClr val="644600"/>
+              </a:solidFill>
+            </a:endParaRPr>
           </a:p>
         </p:txBody>
       </p:sp>
@@ -18749,13 +20912,13 @@
           <a:p>
             <a:r>
               <a:rPr lang="en-US" sz="1200" dirty="0"/>
-              <a:t>   â€¢ Many incoming links from good hubs</a:t>
+              <a:t>    Many incoming links from good hubs</a:t>
             </a:r>
           </a:p>
           <a:p>
             <a:r>
               <a:rPr lang="en-US" sz="1200" dirty="0"/>
-              <a:t>   â€¢ Example: Official product pages, research papers</a:t>
+              <a:t>    Example: Official product pages, research papers</a:t>
             </a:r>
           </a:p>
           <a:p>
@@ -18770,13 +20933,13 @@
           <a:p>
             <a:r>
               <a:rPr lang="en-US" sz="1200" dirty="0"/>
-              <a:t>   â€¢ Many outgoing links to good authorities</a:t>
+              <a:t>    Many outgoing links to good authorities</a:t>
             </a:r>
           </a:p>
           <a:p>
             <a:r>
               <a:rPr lang="en-US" sz="1200" dirty="0"/>
-              <a:t>   â€¢ Example: Directory pages, resource lists</a:t>
+              <a:t>    Example: Directory pages, resource lists</a:t>
             </a:r>
           </a:p>
           <a:p>
@@ -18841,13 +21004,13 @@
           <a:p>
             <a:r>
               <a:rPr lang="en-US" sz="1200" dirty="0"/>
-              <a:t>â€¢ HITS: Query-dependent, finds hubs &amp; authorities</a:t>
+              <a:t> HITS: Query-dependent, finds hubs &amp; authorities</a:t>
             </a:r>
           </a:p>
           <a:p>
             <a:r>
               <a:rPr lang="en-US" sz="1200" dirty="0"/>
-              <a:t>â€¢ PageRank: Query-independent, global importance</a:t>
+              <a:t> PageRank: Query-independent, global importance</a:t>
             </a:r>
           </a:p>
         </p:txBody>
@@ -18966,19 +21129,19 @@
           <a:p>
             <a:r>
               <a:rPr lang="en-US" sz="1200" dirty="0"/>
-              <a:t>   â€¢ In-Degree: Number of incoming links</a:t>
+              <a:t>    In-Degree: Number of incoming links</a:t>
             </a:r>
           </a:p>
           <a:p>
             <a:r>
               <a:rPr lang="en-US" sz="1200" dirty="0"/>
-              <a:t>   â€¢ Out-Degree: Number of outgoing links</a:t>
+              <a:t>    Out-Degree: Number of outgoing links</a:t>
             </a:r>
           </a:p>
           <a:p>
             <a:r>
               <a:rPr lang="en-US" sz="1200" dirty="0"/>
-              <a:t>   â€¢ High in-degree = Popular/Authority page</a:t>
+              <a:t>    High in-degree = Popular/Authority page</a:t>
             </a:r>
           </a:p>
           <a:p>
@@ -18993,13 +21156,13 @@
           <a:p>
             <a:r>
               <a:rPr lang="en-US" sz="1200" dirty="0"/>
-              <a:t>   â€¢ Measures how often page appears on paths between others</a:t>
+              <a:t>    Measures how often page appears on paths between others</a:t>
             </a:r>
           </a:p>
           <a:p>
             <a:r>
               <a:rPr lang="en-US" sz="1200" dirty="0"/>
-              <a:t>   â€¢ High betweenness = Bridge/Connector page</a:t>
+              <a:t>    High betweenness = Bridge/Connector page</a:t>
             </a:r>
           </a:p>
           <a:p>
@@ -19014,13 +21177,13 @@
           <a:p>
             <a:r>
               <a:rPr lang="en-US" sz="1200" dirty="0"/>
-              <a:t>   â€¢ Measures degree of clustering in graph</a:t>
+              <a:t>    Measures degree of clustering in graph</a:t>
             </a:r>
           </a:p>
           <a:p>
             <a:r>
               <a:rPr lang="en-US" sz="1200" dirty="0"/>
-              <a:t>   â€¢ High clustering = Tightly connected community</a:t>
+              <a:t>    High clustering = Tightly connected community</a:t>
             </a:r>
           </a:p>
           <a:p>
@@ -19035,13 +21198,13 @@
           <a:p>
             <a:r>
               <a:rPr lang="en-US" sz="1200" dirty="0"/>
-              <a:t>   â€¢ Global importance based on link structure</a:t>
+              <a:t>    Global importance based on link structure</a:t>
             </a:r>
           </a:p>
           <a:p>
             <a:r>
               <a:rPr lang="en-US" sz="1200" dirty="0"/>
-              <a:t>   â€¢ Accounts for both quantity and quality of links</a:t>
+              <a:t>    Accounts for both quantity and quality of links</a:t>
             </a:r>
           </a:p>
           <a:p>
@@ -19056,19 +21219,19 @@
           <a:p>
             <a:r>
               <a:rPr lang="en-US" sz="1200" dirty="0"/>
-              <a:t>â€¢ Few pages have very high scores</a:t>
+              <a:t> Few pages have very high scores</a:t>
             </a:r>
           </a:p>
           <a:p>
             <a:r>
               <a:rPr lang="en-US" sz="1200" dirty="0"/>
-              <a:t>â€¢ Most pages have low scores</a:t>
+              <a:t> Most pages have low scores</a:t>
             </a:r>
           </a:p>
           <a:p>
             <a:r>
               <a:rPr lang="en-US" sz="1200" dirty="0"/>
-              <a:t>â€¢ Follows P(k) âˆ k^(-Î³) where Î³ â‰ˆ 2-3</a:t>
+              <a:t> Follows P(k) âˆ k^(-Î³) where Î³ â‰ˆ 2-3</a:t>
             </a:r>
           </a:p>
         </p:txBody>
